--- a/Project_BnC.pptx
+++ b/Project_BnC.pptx
@@ -8,23 +8,21 @@
     <p:sldId id="261" r:id="rId2"/>
     <p:sldId id="303" r:id="rId3"/>
     <p:sldId id="287" r:id="rId4"/>
-    <p:sldId id="295" r:id="rId5"/>
-    <p:sldId id="304" r:id="rId6"/>
-    <p:sldId id="305" r:id="rId7"/>
-    <p:sldId id="288" r:id="rId8"/>
-    <p:sldId id="296" r:id="rId9"/>
-    <p:sldId id="289" r:id="rId10"/>
-    <p:sldId id="297" r:id="rId11"/>
-    <p:sldId id="290" r:id="rId12"/>
-    <p:sldId id="298" r:id="rId13"/>
-    <p:sldId id="291" r:id="rId14"/>
-    <p:sldId id="299" r:id="rId15"/>
-    <p:sldId id="292" r:id="rId16"/>
-    <p:sldId id="300" r:id="rId17"/>
-    <p:sldId id="293" r:id="rId18"/>
-    <p:sldId id="301" r:id="rId19"/>
-    <p:sldId id="294" r:id="rId20"/>
-    <p:sldId id="302" r:id="rId21"/>
+    <p:sldId id="305" r:id="rId5"/>
+    <p:sldId id="288" r:id="rId6"/>
+    <p:sldId id="296" r:id="rId7"/>
+    <p:sldId id="289" r:id="rId8"/>
+    <p:sldId id="297" r:id="rId9"/>
+    <p:sldId id="290" r:id="rId10"/>
+    <p:sldId id="298" r:id="rId11"/>
+    <p:sldId id="291" r:id="rId12"/>
+    <p:sldId id="299" r:id="rId13"/>
+    <p:sldId id="292" r:id="rId14"/>
+    <p:sldId id="300" r:id="rId15"/>
+    <p:sldId id="306" r:id="rId16"/>
+    <p:sldId id="307" r:id="rId17"/>
+    <p:sldId id="294" r:id="rId18"/>
+    <p:sldId id="302" r:id="rId19"/>
   </p:sldIdLst>
   <p:sldSz cx="12192000" cy="6858000"/>
   <p:notesSz cx="7104063" cy="10234613"/>
@@ -278,7 +276,7 @@
           <a:p>
             <a:fld id="{792A1A7E-00CC-4E46-9A6F-A605FF9EBA6C}" type="datetimeFigureOut">
               <a:rPr lang="ko-KR" altLang="en-US" smtClean="0"/>
-              <a:t>2020-06-30</a:t>
+              <a:t>2021-06-22</a:t>
             </a:fld>
             <a:endParaRPr lang="ko-KR" altLang="en-US"/>
           </a:p>
@@ -476,7 +474,7 @@
           <a:p>
             <a:fld id="{792A1A7E-00CC-4E46-9A6F-A605FF9EBA6C}" type="datetimeFigureOut">
               <a:rPr lang="ko-KR" altLang="en-US" smtClean="0"/>
-              <a:t>2020-06-30</a:t>
+              <a:t>2021-06-22</a:t>
             </a:fld>
             <a:endParaRPr lang="ko-KR" altLang="en-US"/>
           </a:p>
@@ -684,7 +682,7 @@
           <a:p>
             <a:fld id="{792A1A7E-00CC-4E46-9A6F-A605FF9EBA6C}" type="datetimeFigureOut">
               <a:rPr lang="ko-KR" altLang="en-US" smtClean="0"/>
-              <a:t>2020-06-30</a:t>
+              <a:t>2021-06-22</a:t>
             </a:fld>
             <a:endParaRPr lang="ko-KR" altLang="en-US"/>
           </a:p>
@@ -882,7 +880,7 @@
           <a:p>
             <a:fld id="{792A1A7E-00CC-4E46-9A6F-A605FF9EBA6C}" type="datetimeFigureOut">
               <a:rPr lang="ko-KR" altLang="en-US" smtClean="0"/>
-              <a:t>2020-06-30</a:t>
+              <a:t>2021-06-22</a:t>
             </a:fld>
             <a:endParaRPr lang="ko-KR" altLang="en-US"/>
           </a:p>
@@ -1157,7 +1155,7 @@
           <a:p>
             <a:fld id="{792A1A7E-00CC-4E46-9A6F-A605FF9EBA6C}" type="datetimeFigureOut">
               <a:rPr lang="ko-KR" altLang="en-US" smtClean="0"/>
-              <a:t>2020-06-30</a:t>
+              <a:t>2021-06-22</a:t>
             </a:fld>
             <a:endParaRPr lang="ko-KR" altLang="en-US"/>
           </a:p>
@@ -1422,7 +1420,7 @@
           <a:p>
             <a:fld id="{792A1A7E-00CC-4E46-9A6F-A605FF9EBA6C}" type="datetimeFigureOut">
               <a:rPr lang="ko-KR" altLang="en-US" smtClean="0"/>
-              <a:t>2020-06-30</a:t>
+              <a:t>2021-06-22</a:t>
             </a:fld>
             <a:endParaRPr lang="ko-KR" altLang="en-US"/>
           </a:p>
@@ -1834,7 +1832,7 @@
           <a:p>
             <a:fld id="{792A1A7E-00CC-4E46-9A6F-A605FF9EBA6C}" type="datetimeFigureOut">
               <a:rPr lang="ko-KR" altLang="en-US" smtClean="0"/>
-              <a:t>2020-06-30</a:t>
+              <a:t>2021-06-22</a:t>
             </a:fld>
             <a:endParaRPr lang="ko-KR" altLang="en-US"/>
           </a:p>
@@ -1975,7 +1973,7 @@
           <a:p>
             <a:fld id="{792A1A7E-00CC-4E46-9A6F-A605FF9EBA6C}" type="datetimeFigureOut">
               <a:rPr lang="ko-KR" altLang="en-US" smtClean="0"/>
-              <a:t>2020-06-30</a:t>
+              <a:t>2021-06-22</a:t>
             </a:fld>
             <a:endParaRPr lang="ko-KR" altLang="en-US"/>
           </a:p>
@@ -2088,7 +2086,7 @@
           <a:p>
             <a:fld id="{792A1A7E-00CC-4E46-9A6F-A605FF9EBA6C}" type="datetimeFigureOut">
               <a:rPr lang="ko-KR" altLang="en-US" smtClean="0"/>
-              <a:t>2020-06-30</a:t>
+              <a:t>2021-06-22</a:t>
             </a:fld>
             <a:endParaRPr lang="ko-KR" altLang="en-US"/>
           </a:p>
@@ -2399,7 +2397,7 @@
           <a:p>
             <a:fld id="{792A1A7E-00CC-4E46-9A6F-A605FF9EBA6C}" type="datetimeFigureOut">
               <a:rPr lang="ko-KR" altLang="en-US" smtClean="0"/>
-              <a:t>2020-06-30</a:t>
+              <a:t>2021-06-22</a:t>
             </a:fld>
             <a:endParaRPr lang="ko-KR" altLang="en-US"/>
           </a:p>
@@ -2687,7 +2685,7 @@
           <a:p>
             <a:fld id="{792A1A7E-00CC-4E46-9A6F-A605FF9EBA6C}" type="datetimeFigureOut">
               <a:rPr lang="ko-KR" altLang="en-US" smtClean="0"/>
-              <a:t>2020-06-30</a:t>
+              <a:t>2021-06-22</a:t>
             </a:fld>
             <a:endParaRPr lang="ko-KR" altLang="en-US"/>
           </a:p>
@@ -2928,7 +2926,7 @@
           <a:p>
             <a:fld id="{792A1A7E-00CC-4E46-9A6F-A605FF9EBA6C}" type="datetimeFigureOut">
               <a:rPr lang="ko-KR" altLang="en-US" smtClean="0"/>
-              <a:t>2020-06-30</a:t>
+              <a:t>2021-06-22</a:t>
             </a:fld>
             <a:endParaRPr lang="ko-KR" altLang="en-US"/>
           </a:p>
@@ -3947,22 +3945,66 @@
               </a:lnSpc>
             </a:pPr>
             <a:r>
+              <a:rPr lang="ko-KR" altLang="en-US" dirty="0">
+                <a:latin typeface="+mj-lt"/>
+                <a:ea typeface="맑은 고딕" charset="-127"/>
+                <a:cs typeface="맑은 고딕" charset="-127"/>
+              </a:rPr>
+              <a:t>단기현장 실습 </a:t>
+            </a:r>
+            <a:r>
               <a:rPr lang="en-US" altLang="ko-KR" dirty="0">
                 <a:latin typeface="+mj-lt"/>
                 <a:ea typeface="맑은 고딕" charset="-127"/>
                 <a:cs typeface="맑은 고딕" charset="-127"/>
               </a:rPr>
-              <a:t>2020</a:t>
+              <a:t>: </a:t>
             </a:r>
             <a:r>
               <a:rPr lang="ko-KR" altLang="en-US" dirty="0">
+                <a:solidFill>
+                  <a:schemeClr val="bg1">
+                    <a:lumMod val="75000"/>
+                  </a:schemeClr>
+                </a:solidFill>
                 <a:latin typeface="+mj-lt"/>
                 <a:ea typeface="맑은 고딕" charset="-127"/>
                 <a:cs typeface="맑은 고딕" charset="-127"/>
               </a:rPr>
-              <a:t>년 하계 단기현장 실습</a:t>
+              <a:t>년도</a:t>
+            </a:r>
+            <a:r>
+              <a:rPr lang="en-US" altLang="ko-KR" dirty="0">
+                <a:solidFill>
+                  <a:schemeClr val="bg1">
+                    <a:lumMod val="75000"/>
+                  </a:schemeClr>
+                </a:solidFill>
+                <a:latin typeface="+mj-lt"/>
+                <a:ea typeface="맑은 고딕" charset="-127"/>
+                <a:cs typeface="맑은 고딕" charset="-127"/>
+              </a:rPr>
+              <a:t>,</a:t>
+            </a:r>
+            <a:r>
+              <a:rPr lang="ko-KR" altLang="en-US" dirty="0">
+                <a:solidFill>
+                  <a:schemeClr val="bg1">
+                    <a:lumMod val="75000"/>
+                  </a:schemeClr>
+                </a:solidFill>
+                <a:latin typeface="+mj-lt"/>
+                <a:ea typeface="맑은 고딕" charset="-127"/>
+                <a:cs typeface="맑은 고딕" charset="-127"/>
+              </a:rPr>
+              <a:t> 계절</a:t>
             </a:r>
             <a:endParaRPr lang="en-US" altLang="ko-KR" dirty="0">
+              <a:solidFill>
+                <a:schemeClr val="bg1">
+                  <a:lumMod val="75000"/>
+                </a:schemeClr>
+              </a:solidFill>
               <a:latin typeface="+mj-lt"/>
               <a:ea typeface="맑은 고딕" charset="-127"/>
               <a:cs typeface="맑은 고딕" charset="-127"/>
@@ -3991,19 +4033,43 @@
               <a:t>: </a:t>
             </a:r>
             <a:r>
-              <a:rPr lang="ko-KR" altLang="en-US" sz="3200" dirty="0" smtClean="0">
-                <a:ea typeface="맑은 고딕" charset="-127"/>
-                <a:cs typeface="맑은 고딕" charset="-127"/>
-              </a:rPr>
-              <a:t>대전대학교</a:t>
-            </a:r>
-            <a:r>
-              <a:rPr lang="en-US" altLang="ko-KR" dirty="0">
+              <a:rPr lang="ko-KR" altLang="en-US" dirty="0">
+                <a:solidFill>
+                  <a:schemeClr val="bg1">
+                    <a:lumMod val="75000"/>
+                  </a:schemeClr>
+                </a:solidFill>
                 <a:latin typeface="+mj-lt"/>
                 <a:ea typeface="맑은 고딕" charset="-127"/>
                 <a:cs typeface="맑은 고딕" charset="-127"/>
               </a:rPr>
-              <a:t/>
+              <a:t>학교</a:t>
+            </a:r>
+            <a:r>
+              <a:rPr lang="en-US" altLang="ko-KR" dirty="0">
+                <a:solidFill>
+                  <a:schemeClr val="bg1">
+                    <a:lumMod val="75000"/>
+                  </a:schemeClr>
+                </a:solidFill>
+                <a:latin typeface="+mj-lt"/>
+                <a:ea typeface="맑은 고딕" charset="-127"/>
+                <a:cs typeface="맑은 고딕" charset="-127"/>
+              </a:rPr>
+              <a:t>, </a:t>
+            </a:r>
+            <a:r>
+              <a:rPr lang="ko-KR" altLang="en-US" dirty="0">
+                <a:solidFill>
+                  <a:schemeClr val="bg1">
+                    <a:lumMod val="75000"/>
+                  </a:schemeClr>
+                </a:solidFill>
+                <a:latin typeface="+mj-lt"/>
+                <a:ea typeface="맑은 고딕" charset="-127"/>
+                <a:cs typeface="맑은 고딕" charset="-127"/>
+              </a:rPr>
+              <a:t>과</a:t>
             </a:r>
             <a:br>
               <a:rPr lang="en-US" altLang="ko-KR" dirty="0">
@@ -4045,18 +4111,64 @@
               <a:t>: </a:t>
             </a:r>
             <a:r>
-              <a:rPr lang="ko-KR" altLang="en-US" dirty="0" smtClean="0">
+              <a:rPr lang="ko-KR" altLang="en-US" dirty="0">
+                <a:solidFill>
+                  <a:schemeClr val="bg1">
+                    <a:lumMod val="75000"/>
+                  </a:schemeClr>
+                </a:solidFill>
                 <a:latin typeface="+mj-lt"/>
                 <a:ea typeface="맑은 고딕" charset="-127"/>
                 <a:cs typeface="맑은 고딕" charset="-127"/>
               </a:rPr>
-              <a:t>이재경</a:t>
-            </a:r>
-            <a:endParaRPr lang="ko-KR" altLang="en-US" dirty="0">
+              <a:t>이름</a:t>
+            </a:r>
+            <a:endParaRPr lang="en-US" altLang="ko-KR" dirty="0">
+              <a:solidFill>
+                <a:schemeClr val="bg1">
+                  <a:lumMod val="75000"/>
+                </a:schemeClr>
+              </a:solidFill>
               <a:latin typeface="+mj-lt"/>
               <a:ea typeface="맑은 고딕" charset="-127"/>
               <a:cs typeface="맑은 고딕" charset="-127"/>
             </a:endParaRPr>
+          </a:p>
+          <a:p>
+            <a:pPr>
+              <a:lnSpc>
+                <a:spcPct val="100000"/>
+              </a:lnSpc>
+            </a:pPr>
+            <a:r>
+              <a:rPr lang="ko-KR" altLang="en-US" dirty="0">
+                <a:latin typeface="+mj-lt"/>
+                <a:ea typeface="맑은 고딕" charset="-127"/>
+                <a:cs typeface="맑은 고딕" charset="-127"/>
+              </a:rPr>
+              <a:t>학번 </a:t>
+            </a:r>
+            <a:r>
+              <a:rPr lang="en-US" altLang="ko-KR" dirty="0">
+                <a:latin typeface="+mj-lt"/>
+                <a:ea typeface="맑은 고딕" charset="-127"/>
+                <a:cs typeface="맑은 고딕" charset="-127"/>
+              </a:rPr>
+              <a:t>: </a:t>
+            </a:r>
+            <a:r>
+              <a:rPr lang="ko-KR" altLang="en-US" dirty="0">
+                <a:solidFill>
+                  <a:schemeClr val="bg1">
+                    <a:lumMod val="75000"/>
+                  </a:schemeClr>
+                </a:solidFill>
+                <a:latin typeface="+mj-lt"/>
+                <a:ea typeface="맑은 고딕" charset="-127"/>
+                <a:cs typeface="맑은 고딕" charset="-127"/>
+              </a:rPr>
+              <a:t>학번</a:t>
+            </a:r>
           </a:p>
         </p:txBody>
       </p:sp>
@@ -4095,7 +4207,7 @@
           <p:cNvPr id="2" name="제목 1">
             <a:extLst>
               <a:ext uri="{FF2B5EF4-FFF2-40B4-BE49-F238E27FC236}">
-                <a16:creationId xmlns:a16="http://schemas.microsoft.com/office/drawing/2014/main" id="{B3C97AF6-84B1-4A4B-A5CC-C59F1C40885A}"/>
+                <a16:creationId xmlns:a16="http://schemas.microsoft.com/office/drawing/2014/main" id="{9A1A2E3C-2FD9-439C-87BD-8AE3B27F8C97}"/>
               </a:ext>
             </a:extLst>
           </p:cNvPr>
@@ -4120,7 +4232,7 @@
           <p:cNvPr id="3" name="내용 개체 틀 2">
             <a:extLst>
               <a:ext uri="{FF2B5EF4-FFF2-40B4-BE49-F238E27FC236}">
-                <a16:creationId xmlns:a16="http://schemas.microsoft.com/office/drawing/2014/main" id="{7F0CB4B4-7523-4ABB-B81F-4F4FF0F88316}"/>
+                <a16:creationId xmlns:a16="http://schemas.microsoft.com/office/drawing/2014/main" id="{58DC695E-BF5C-4F1A-860C-8BD272E977AA}"/>
               </a:ext>
             </a:extLst>
           </p:cNvPr>
@@ -4136,14 +4248,37 @@
           <a:bodyPr/>
           <a:lstStyle/>
           <a:p>
-            <a:endParaRPr lang="ko-KR" altLang="en-US"/>
+            <a:r>
+              <a:rPr lang="ko-KR" altLang="en-US" dirty="0"/>
+              <a:t>기능정의를 한다</a:t>
+            </a:r>
+            <a:endParaRPr lang="en-US" altLang="ko-KR" dirty="0"/>
+          </a:p>
+          <a:p>
+            <a:r>
+              <a:rPr lang="ko-KR" altLang="en-US" dirty="0"/>
+              <a:t>정의 한 기능에 대해 </a:t>
+            </a:r>
+            <a:r>
+              <a:rPr lang="en-US" altLang="ko-KR" dirty="0"/>
+              <a:t>Flow</a:t>
+            </a:r>
+            <a:r>
+              <a:rPr lang="ko-KR" altLang="en-US" dirty="0"/>
+              <a:t>를 작성한다</a:t>
+            </a:r>
+            <a:r>
+              <a:rPr lang="en-US" altLang="ko-KR" dirty="0"/>
+              <a:t>.</a:t>
+            </a:r>
+            <a:endParaRPr lang="ko-KR" altLang="en-US" dirty="0"/>
           </a:p>
         </p:txBody>
       </p:sp>
     </p:spTree>
     <p:extLst>
       <p:ext uri="{BB962C8B-B14F-4D97-AF65-F5344CB8AC3E}">
-        <p14:creationId xmlns:p14="http://schemas.microsoft.com/office/powerpoint/2010/main" val="3260802283"/>
+        <p14:creationId xmlns:p14="http://schemas.microsoft.com/office/powerpoint/2010/main" val="3772914977"/>
       </p:ext>
     </p:extLst>
   </p:cSld>
@@ -4413,15 +4548,56 @@
                 <a:ea typeface="맑은 고딕" charset="-127"/>
                 <a:cs typeface="맑은 고딕" charset="-127"/>
               </a:rPr>
-              <a:t>기능 모듈 설계</a:t>
-            </a:r>
+              <a:t>기능 검토 </a:t>
+            </a:r>
+            <a:r>
+              <a:rPr lang="en-US" altLang="ko-KR" sz="4800" dirty="0">
+                <a:solidFill>
+                  <a:schemeClr val="bg1"/>
+                </a:solidFill>
+                <a:latin typeface="+mj-lt"/>
+                <a:ea typeface="맑은 고딕" charset="-127"/>
+                <a:cs typeface="맑은 고딕" charset="-127"/>
+              </a:rPr>
+              <a:t>(</a:t>
+            </a:r>
+            <a:r>
+              <a:rPr lang="ko-KR" altLang="en-US" sz="4800" dirty="0">
+                <a:solidFill>
+                  <a:schemeClr val="bg1"/>
+                </a:solidFill>
+                <a:latin typeface="+mj-lt"/>
+                <a:ea typeface="맑은 고딕" charset="-127"/>
+                <a:cs typeface="맑은 고딕" charset="-127"/>
+              </a:rPr>
+              <a:t>근거자료 및 샘플코드</a:t>
+            </a:r>
+            <a:r>
+              <a:rPr lang="en-US" altLang="ko-KR" sz="4800" dirty="0">
+                <a:solidFill>
+                  <a:schemeClr val="bg1"/>
+                </a:solidFill>
+                <a:latin typeface="+mj-lt"/>
+                <a:ea typeface="맑은 고딕" charset="-127"/>
+                <a:cs typeface="맑은 고딕" charset="-127"/>
+              </a:rPr>
+              <a:t>)</a:t>
+            </a:r>
+            <a:endParaRPr lang="ko-KR" altLang="en-US" sz="4800" dirty="0">
+              <a:solidFill>
+                <a:schemeClr val="bg1"/>
+              </a:solidFill>
+              <a:latin typeface="+mj-lt"/>
+              <a:ea typeface="맑은 고딕" charset="-127"/>
+              <a:cs typeface="맑은 고딕" charset="-127"/>
+            </a:endParaRPr>
           </a:p>
         </p:txBody>
       </p:sp>
     </p:spTree>
     <p:extLst>
       <p:ext uri="{BB962C8B-B14F-4D97-AF65-F5344CB8AC3E}">
-        <p14:creationId xmlns:p14="http://schemas.microsoft.com/office/powerpoint/2010/main" val="3636615241"/>
+        <p14:creationId xmlns:p14="http://schemas.microsoft.com/office/powerpoint/2010/main" val="2800779971"/>
       </p:ext>
     </p:extLst>
   </p:cSld>
@@ -4453,7 +4629,7 @@
           <p:cNvPr id="2" name="제목 1">
             <a:extLst>
               <a:ext uri="{FF2B5EF4-FFF2-40B4-BE49-F238E27FC236}">
-                <a16:creationId xmlns:a16="http://schemas.microsoft.com/office/drawing/2014/main" id="{9A1A2E3C-2FD9-439C-87BD-8AE3B27F8C97}"/>
+                <a16:creationId xmlns:a16="http://schemas.microsoft.com/office/drawing/2014/main" id="{CD32A4A8-C5FD-473F-A41F-A660400BC448}"/>
               </a:ext>
             </a:extLst>
           </p:cNvPr>
@@ -4478,7 +4654,7 @@
           <p:cNvPr id="3" name="내용 개체 틀 2">
             <a:extLst>
               <a:ext uri="{FF2B5EF4-FFF2-40B4-BE49-F238E27FC236}">
-                <a16:creationId xmlns:a16="http://schemas.microsoft.com/office/drawing/2014/main" id="{58DC695E-BF5C-4F1A-860C-8BD272E977AA}"/>
+                <a16:creationId xmlns:a16="http://schemas.microsoft.com/office/drawing/2014/main" id="{FC688E77-0112-474B-BD84-18F7FC4240C7}"/>
               </a:ext>
             </a:extLst>
           </p:cNvPr>
@@ -4494,14 +4670,32 @@
           <a:bodyPr/>
           <a:lstStyle/>
           <a:p>
-            <a:endParaRPr lang="ko-KR" altLang="en-US"/>
+            <a:r>
+              <a:rPr lang="ko-KR" altLang="en-US" dirty="0"/>
+              <a:t>기능 구현에 필요한 기술을 알아본다</a:t>
+            </a:r>
+            <a:endParaRPr lang="en-US" altLang="ko-KR" dirty="0"/>
+          </a:p>
+          <a:p>
+            <a:endParaRPr lang="en-US" altLang="ko-KR" dirty="0"/>
+          </a:p>
+          <a:p>
+            <a:r>
+              <a:rPr lang="ko-KR" altLang="en-US" dirty="0"/>
+              <a:t>샘플 코드를 수집한다</a:t>
+            </a:r>
+            <a:r>
+              <a:rPr lang="en-US" altLang="ko-KR" dirty="0"/>
+              <a:t>.</a:t>
+            </a:r>
+            <a:endParaRPr lang="ko-KR" altLang="en-US" dirty="0"/>
           </a:p>
         </p:txBody>
       </p:sp>
     </p:spTree>
     <p:extLst>
       <p:ext uri="{BB962C8B-B14F-4D97-AF65-F5344CB8AC3E}">
-        <p14:creationId xmlns:p14="http://schemas.microsoft.com/office/powerpoint/2010/main" val="3772914977"/>
+        <p14:creationId xmlns:p14="http://schemas.microsoft.com/office/powerpoint/2010/main" val="414149680"/>
       </p:ext>
     </p:extLst>
   </p:cSld>
@@ -4771,56 +4965,15 @@
                 <a:ea typeface="맑은 고딕" charset="-127"/>
                 <a:cs typeface="맑은 고딕" charset="-127"/>
               </a:rPr>
-              <a:t>기능 검토 </a:t>
-            </a:r>
-            <a:r>
-              <a:rPr lang="en-US" altLang="ko-KR" sz="4800" dirty="0">
-                <a:solidFill>
-                  <a:schemeClr val="bg1"/>
-                </a:solidFill>
-                <a:latin typeface="+mj-lt"/>
-                <a:ea typeface="맑은 고딕" charset="-127"/>
-                <a:cs typeface="맑은 고딕" charset="-127"/>
-              </a:rPr>
-              <a:t>(</a:t>
-            </a:r>
-            <a:r>
-              <a:rPr lang="ko-KR" altLang="en-US" sz="4800" dirty="0">
-                <a:solidFill>
-                  <a:schemeClr val="bg1"/>
-                </a:solidFill>
-                <a:latin typeface="+mj-lt"/>
-                <a:ea typeface="맑은 고딕" charset="-127"/>
-                <a:cs typeface="맑은 고딕" charset="-127"/>
-              </a:rPr>
-              <a:t>근거자료 및 샘플코드</a:t>
-            </a:r>
-            <a:r>
-              <a:rPr lang="en-US" altLang="ko-KR" sz="4800" dirty="0">
-                <a:solidFill>
-                  <a:schemeClr val="bg1"/>
-                </a:solidFill>
-                <a:latin typeface="+mj-lt"/>
-                <a:ea typeface="맑은 고딕" charset="-127"/>
-                <a:cs typeface="맑은 고딕" charset="-127"/>
-              </a:rPr>
-              <a:t>)</a:t>
-            </a:r>
-            <a:endParaRPr lang="ko-KR" altLang="en-US" sz="4800" dirty="0">
-              <a:solidFill>
-                <a:schemeClr val="bg1"/>
-              </a:solidFill>
-              <a:latin typeface="+mj-lt"/>
-              <a:ea typeface="맑은 고딕" charset="-127"/>
-              <a:cs typeface="맑은 고딕" charset="-127"/>
-            </a:endParaRPr>
+              <a:t>스토리보드 제작</a:t>
+            </a:r>
           </a:p>
         </p:txBody>
       </p:sp>
     </p:spTree>
     <p:extLst>
       <p:ext uri="{BB962C8B-B14F-4D97-AF65-F5344CB8AC3E}">
-        <p14:creationId xmlns:p14="http://schemas.microsoft.com/office/powerpoint/2010/main" val="2800779971"/>
+        <p14:creationId xmlns:p14="http://schemas.microsoft.com/office/powerpoint/2010/main" val="4131486605"/>
       </p:ext>
     </p:extLst>
   </p:cSld>
@@ -4852,7 +5005,7 @@
           <p:cNvPr id="2" name="제목 1">
             <a:extLst>
               <a:ext uri="{FF2B5EF4-FFF2-40B4-BE49-F238E27FC236}">
-                <a16:creationId xmlns:a16="http://schemas.microsoft.com/office/drawing/2014/main" id="{CD32A4A8-C5FD-473F-A41F-A660400BC448}"/>
+                <a16:creationId xmlns:a16="http://schemas.microsoft.com/office/drawing/2014/main" id="{FEF97B69-9031-4A28-901F-246C46549083}"/>
               </a:ext>
             </a:extLst>
           </p:cNvPr>
@@ -4877,7 +5030,7 @@
           <p:cNvPr id="3" name="내용 개체 틀 2">
             <a:extLst>
               <a:ext uri="{FF2B5EF4-FFF2-40B4-BE49-F238E27FC236}">
-                <a16:creationId xmlns:a16="http://schemas.microsoft.com/office/drawing/2014/main" id="{FC688E77-0112-474B-BD84-18F7FC4240C7}"/>
+                <a16:creationId xmlns:a16="http://schemas.microsoft.com/office/drawing/2014/main" id="{7B537D8F-5982-4653-B96A-BB8B9CAB7064}"/>
               </a:ext>
             </a:extLst>
           </p:cNvPr>
@@ -4893,14 +5046,32 @@
           <a:bodyPr/>
           <a:lstStyle/>
           <a:p>
-            <a:endParaRPr lang="ko-KR" altLang="en-US"/>
+            <a:r>
+              <a:rPr lang="ko-KR" altLang="en-US" dirty="0"/>
+              <a:t>기능 구현에 대한 디자인 구상</a:t>
+            </a:r>
+            <a:endParaRPr lang="en-US" altLang="ko-KR" dirty="0"/>
+          </a:p>
+          <a:p>
+            <a:endParaRPr lang="en-US" altLang="ko-KR" dirty="0"/>
+          </a:p>
+          <a:p>
+            <a:r>
+              <a:rPr lang="ko-KR" altLang="en-US" dirty="0"/>
+              <a:t>디자인에 따른 동작을 기술하고 연계 한다</a:t>
+            </a:r>
+            <a:r>
+              <a:rPr lang="en-US" altLang="ko-KR" dirty="0"/>
+              <a:t>.</a:t>
+            </a:r>
+            <a:endParaRPr lang="ko-KR" altLang="en-US" dirty="0"/>
           </a:p>
         </p:txBody>
       </p:sp>
     </p:spTree>
     <p:extLst>
       <p:ext uri="{BB962C8B-B14F-4D97-AF65-F5344CB8AC3E}">
-        <p14:creationId xmlns:p14="http://schemas.microsoft.com/office/powerpoint/2010/main" val="414149680"/>
+        <p14:creationId xmlns:p14="http://schemas.microsoft.com/office/powerpoint/2010/main" val="1723942396"/>
       </p:ext>
     </p:extLst>
   </p:cSld>
@@ -5170,7 +5341,7 @@
                 <a:ea typeface="맑은 고딕" charset="-127"/>
                 <a:cs typeface="맑은 고딕" charset="-127"/>
               </a:rPr>
-              <a:t>스토리보드 제작</a:t>
+              <a:t>구현</a:t>
             </a:r>
           </a:p>
         </p:txBody>
@@ -5178,7 +5349,7 @@
     </p:spTree>
     <p:extLst>
       <p:ext uri="{BB962C8B-B14F-4D97-AF65-F5344CB8AC3E}">
-        <p14:creationId xmlns:p14="http://schemas.microsoft.com/office/powerpoint/2010/main" val="4131486605"/>
+        <p14:creationId xmlns:p14="http://schemas.microsoft.com/office/powerpoint/2010/main" val="1697315730"/>
       </p:ext>
     </p:extLst>
   </p:cSld>
@@ -5210,7 +5381,7 @@
           <p:cNvPr id="2" name="제목 1">
             <a:extLst>
               <a:ext uri="{FF2B5EF4-FFF2-40B4-BE49-F238E27FC236}">
-                <a16:creationId xmlns:a16="http://schemas.microsoft.com/office/drawing/2014/main" id="{FEF97B69-9031-4A28-901F-246C46549083}"/>
+                <a16:creationId xmlns:a16="http://schemas.microsoft.com/office/drawing/2014/main" id="{2135F92A-65F5-4C7A-8C04-BF5F199039F2}"/>
               </a:ext>
             </a:extLst>
           </p:cNvPr>
@@ -5235,7 +5406,7 @@
           <p:cNvPr id="3" name="내용 개체 틀 2">
             <a:extLst>
               <a:ext uri="{FF2B5EF4-FFF2-40B4-BE49-F238E27FC236}">
-                <a16:creationId xmlns:a16="http://schemas.microsoft.com/office/drawing/2014/main" id="{7B537D8F-5982-4653-B96A-BB8B9CAB7064}"/>
+                <a16:creationId xmlns:a16="http://schemas.microsoft.com/office/drawing/2014/main" id="{FB21A4AE-E1C2-4042-9B9E-43F419C42235}"/>
               </a:ext>
             </a:extLst>
           </p:cNvPr>
@@ -5251,14 +5422,22 @@
           <a:bodyPr/>
           <a:lstStyle/>
           <a:p>
-            <a:endParaRPr lang="ko-KR" altLang="en-US"/>
+            <a:r>
+              <a:rPr lang="ko-KR" altLang="en-US" dirty="0"/>
+              <a:t>코드를 작성하고 버그를 수정한다</a:t>
+            </a:r>
+            <a:r>
+              <a:rPr lang="en-US" altLang="ko-KR" dirty="0"/>
+              <a:t>.</a:t>
+            </a:r>
+            <a:endParaRPr lang="ko-KR" altLang="en-US" dirty="0"/>
           </a:p>
         </p:txBody>
       </p:sp>
     </p:spTree>
     <p:extLst>
       <p:ext uri="{BB962C8B-B14F-4D97-AF65-F5344CB8AC3E}">
-        <p14:creationId xmlns:p14="http://schemas.microsoft.com/office/powerpoint/2010/main" val="1723942396"/>
+        <p14:creationId xmlns:p14="http://schemas.microsoft.com/office/powerpoint/2010/main" val="1303733429"/>
       </p:ext>
     </p:extLst>
   </p:cSld>
@@ -5528,15 +5707,34 @@
                 <a:ea typeface="맑은 고딕" charset="-127"/>
                 <a:cs typeface="맑은 고딕" charset="-127"/>
               </a:rPr>
-              <a:t>스토리보드 제작</a:t>
-            </a:r>
+              <a:t>제품 </a:t>
+            </a:r>
+            <a:r>
+              <a:rPr lang="en-US" altLang="ko-KR" sz="4800" dirty="0">
+                <a:solidFill>
+                  <a:schemeClr val="bg1"/>
+                </a:solidFill>
+                <a:latin typeface="+mj-lt"/>
+                <a:ea typeface="맑은 고딕" charset="-127"/>
+                <a:cs typeface="맑은 고딕" charset="-127"/>
+              </a:rPr>
+              <a:t>Review</a:t>
+            </a:r>
+            <a:endParaRPr lang="ko-KR" altLang="en-US" sz="4800" dirty="0">
+              <a:solidFill>
+                <a:schemeClr val="bg1"/>
+              </a:solidFill>
+              <a:latin typeface="+mj-lt"/>
+              <a:ea typeface="맑은 고딕" charset="-127"/>
+              <a:cs typeface="맑은 고딕" charset="-127"/>
+            </a:endParaRPr>
           </a:p>
         </p:txBody>
       </p:sp>
     </p:spTree>
     <p:extLst>
       <p:ext uri="{BB962C8B-B14F-4D97-AF65-F5344CB8AC3E}">
-        <p14:creationId xmlns:p14="http://schemas.microsoft.com/office/powerpoint/2010/main" val="323343818"/>
+        <p14:creationId xmlns:p14="http://schemas.microsoft.com/office/powerpoint/2010/main" val="3953577241"/>
       </p:ext>
     </p:extLst>
   </p:cSld>
@@ -5568,7 +5766,7 @@
           <p:cNvPr id="2" name="제목 1">
             <a:extLst>
               <a:ext uri="{FF2B5EF4-FFF2-40B4-BE49-F238E27FC236}">
-                <a16:creationId xmlns:a16="http://schemas.microsoft.com/office/drawing/2014/main" id="{41EBC6CF-27E2-49F3-922D-6AF22ED7526A}"/>
+                <a16:creationId xmlns:a16="http://schemas.microsoft.com/office/drawing/2014/main" id="{2135F92A-65F5-4C7A-8C04-BF5F199039F2}"/>
               </a:ext>
             </a:extLst>
           </p:cNvPr>
@@ -5593,7 +5791,7 @@
           <p:cNvPr id="3" name="내용 개체 틀 2">
             <a:extLst>
               <a:ext uri="{FF2B5EF4-FFF2-40B4-BE49-F238E27FC236}">
-                <a16:creationId xmlns:a16="http://schemas.microsoft.com/office/drawing/2014/main" id="{06BFD7E7-060A-4A52-85BC-AB46BEFDBCEC}"/>
+                <a16:creationId xmlns:a16="http://schemas.microsoft.com/office/drawing/2014/main" id="{FB21A4AE-E1C2-4042-9B9E-43F419C42235}"/>
               </a:ext>
             </a:extLst>
           </p:cNvPr>
@@ -5609,311 +5807,17 @@
           <a:bodyPr/>
           <a:lstStyle/>
           <a:p>
-            <a:endParaRPr lang="ko-KR" altLang="en-US"/>
+            <a:r>
+              <a:rPr lang="ko-KR" altLang="en-US" dirty="0"/>
+              <a:t>목표한 제품이 맞는 검증한다</a:t>
+            </a:r>
           </a:p>
         </p:txBody>
       </p:sp>
     </p:spTree>
     <p:extLst>
       <p:ext uri="{BB962C8B-B14F-4D97-AF65-F5344CB8AC3E}">
-        <p14:creationId xmlns:p14="http://schemas.microsoft.com/office/powerpoint/2010/main" val="349800115"/>
-      </p:ext>
-    </p:extLst>
-  </p:cSld>
-  <p:clrMapOvr>
-    <a:masterClrMapping/>
-  </p:clrMapOvr>
-</p:sld>
-</file>
-
-<file path=ppt/slides/slide19.xml><?xml version="1.0" encoding="utf-8"?>
-<p:sld xmlns:a="http://schemas.openxmlformats.org/drawingml/2006/main" xmlns:r="http://schemas.openxmlformats.org/officeDocument/2006/relationships" xmlns:p="http://schemas.openxmlformats.org/presentationml/2006/main">
-  <p:cSld>
-    <p:spTree>
-      <p:nvGrpSpPr>
-        <p:cNvPr id="1" name=""/>
-        <p:cNvGrpSpPr/>
-        <p:nvPr/>
-      </p:nvGrpSpPr>
-      <p:grpSpPr>
-        <a:xfrm>
-          <a:off x="0" y="0"/>
-          <a:ext cx="0" cy="0"/>
-          <a:chOff x="0" y="0"/>
-          <a:chExt cx="0" cy="0"/>
-        </a:xfrm>
-      </p:grpSpPr>
-      <p:sp>
-        <p:nvSpPr>
-          <p:cNvPr id="10" name="직사각형 9"/>
-          <p:cNvSpPr/>
-          <p:nvPr/>
-        </p:nvSpPr>
-        <p:spPr>
-          <a:xfrm>
-            <a:off x="-1" y="2398426"/>
-            <a:ext cx="12192001" cy="1338109"/>
-          </a:xfrm>
-          <a:prstGeom prst="rect">
-            <a:avLst/>
-          </a:prstGeom>
-          <a:solidFill>
-            <a:schemeClr val="accent1">
-              <a:lumMod val="75000"/>
-            </a:schemeClr>
-          </a:solidFill>
-          <a:ln>
-            <a:noFill/>
-          </a:ln>
-        </p:spPr>
-        <p:style>
-          <a:lnRef idx="2">
-            <a:schemeClr val="accent1">
-              <a:shade val="50000"/>
-            </a:schemeClr>
-          </a:lnRef>
-          <a:fillRef idx="1">
-            <a:schemeClr val="accent1"/>
-          </a:fillRef>
-          <a:effectRef idx="0">
-            <a:schemeClr val="accent1"/>
-          </a:effectRef>
-          <a:fontRef idx="minor">
-            <a:schemeClr val="lt1"/>
-          </a:fontRef>
-        </p:style>
-        <p:txBody>
-          <a:bodyPr rtlCol="0" anchor="ctr"/>
-          <a:lstStyle/>
-          <a:p>
-            <a:pPr algn="ctr"/>
-            <a:endParaRPr kumimoji="1" lang="ko-KR" altLang="en-US" dirty="0"/>
-          </a:p>
-        </p:txBody>
-      </p:sp>
-      <p:sp>
-        <p:nvSpPr>
-          <p:cNvPr id="12" name="부제목 2"/>
-          <p:cNvSpPr txBox="1">
-            <a:spLocks/>
-          </p:cNvSpPr>
-          <p:nvPr/>
-        </p:nvSpPr>
-        <p:spPr>
-          <a:xfrm>
-            <a:off x="1" y="2608234"/>
-            <a:ext cx="12192000" cy="754314"/>
-          </a:xfrm>
-          <a:prstGeom prst="rect">
-            <a:avLst/>
-          </a:prstGeom>
-        </p:spPr>
-        <p:txBody>
-          <a:bodyPr vert="horz" lIns="91440" tIns="45720" rIns="91440" bIns="45720" rtlCol="0" anchor="ctr">
-            <a:noAutofit/>
-          </a:bodyPr>
-          <a:lstStyle>
-            <a:lvl1pPr marL="0" indent="0" algn="ctr" defTabSz="914423" rtl="0" eaLnBrk="1" latinLnBrk="1" hangingPunct="1">
-              <a:lnSpc>
-                <a:spcPct val="90000"/>
-              </a:lnSpc>
-              <a:spcBef>
-                <a:spcPts val="1001"/>
-              </a:spcBef>
-              <a:buFont typeface="Arial"/>
-              <a:buNone/>
-              <a:defRPr sz="2400" kern="1200">
-                <a:solidFill>
-                  <a:schemeClr val="tx1"/>
-                </a:solidFill>
-                <a:latin typeface="+mn-lt"/>
-                <a:ea typeface="+mn-ea"/>
-                <a:cs typeface="+mn-cs"/>
-              </a:defRPr>
-            </a:lvl1pPr>
-            <a:lvl2pPr marL="457211" indent="0" algn="ctr" defTabSz="914423" rtl="0" eaLnBrk="1" latinLnBrk="1" hangingPunct="1">
-              <a:lnSpc>
-                <a:spcPct val="90000"/>
-              </a:lnSpc>
-              <a:spcBef>
-                <a:spcPts val="500"/>
-              </a:spcBef>
-              <a:buFont typeface="Arial"/>
-              <a:buNone/>
-              <a:defRPr sz="2000" kern="1200">
-                <a:solidFill>
-                  <a:schemeClr val="tx1"/>
-                </a:solidFill>
-                <a:latin typeface="+mn-lt"/>
-                <a:ea typeface="+mn-ea"/>
-                <a:cs typeface="+mn-cs"/>
-              </a:defRPr>
-            </a:lvl2pPr>
-            <a:lvl3pPr marL="914423" indent="0" algn="ctr" defTabSz="914423" rtl="0" eaLnBrk="1" latinLnBrk="1" hangingPunct="1">
-              <a:lnSpc>
-                <a:spcPct val="90000"/>
-              </a:lnSpc>
-              <a:spcBef>
-                <a:spcPts val="500"/>
-              </a:spcBef>
-              <a:buFont typeface="Arial"/>
-              <a:buNone/>
-              <a:defRPr sz="1801" kern="1200">
-                <a:solidFill>
-                  <a:schemeClr val="tx1"/>
-                </a:solidFill>
-                <a:latin typeface="+mn-lt"/>
-                <a:ea typeface="+mn-ea"/>
-                <a:cs typeface="+mn-cs"/>
-              </a:defRPr>
-            </a:lvl3pPr>
-            <a:lvl4pPr marL="1371634" indent="0" algn="ctr" defTabSz="914423" rtl="0" eaLnBrk="1" latinLnBrk="1" hangingPunct="1">
-              <a:lnSpc>
-                <a:spcPct val="90000"/>
-              </a:lnSpc>
-              <a:spcBef>
-                <a:spcPts val="500"/>
-              </a:spcBef>
-              <a:buFont typeface="Arial"/>
-              <a:buNone/>
-              <a:defRPr sz="1600" kern="1200">
-                <a:solidFill>
-                  <a:schemeClr val="tx1"/>
-                </a:solidFill>
-                <a:latin typeface="+mn-lt"/>
-                <a:ea typeface="+mn-ea"/>
-                <a:cs typeface="+mn-cs"/>
-              </a:defRPr>
-            </a:lvl4pPr>
-            <a:lvl5pPr marL="1828846" indent="0" algn="ctr" defTabSz="914423" rtl="0" eaLnBrk="1" latinLnBrk="1" hangingPunct="1">
-              <a:lnSpc>
-                <a:spcPct val="90000"/>
-              </a:lnSpc>
-              <a:spcBef>
-                <a:spcPts val="500"/>
-              </a:spcBef>
-              <a:buFont typeface="Arial"/>
-              <a:buNone/>
-              <a:defRPr sz="1600" kern="1200">
-                <a:solidFill>
-                  <a:schemeClr val="tx1"/>
-                </a:solidFill>
-                <a:latin typeface="+mn-lt"/>
-                <a:ea typeface="+mn-ea"/>
-                <a:cs typeface="+mn-cs"/>
-              </a:defRPr>
-            </a:lvl5pPr>
-            <a:lvl6pPr marL="2286057" indent="0" algn="ctr" defTabSz="914423" rtl="0" eaLnBrk="1" latinLnBrk="1" hangingPunct="1">
-              <a:lnSpc>
-                <a:spcPct val="90000"/>
-              </a:lnSpc>
-              <a:spcBef>
-                <a:spcPts val="500"/>
-              </a:spcBef>
-              <a:buFont typeface="Arial"/>
-              <a:buNone/>
-              <a:defRPr sz="1600" kern="1200">
-                <a:solidFill>
-                  <a:schemeClr val="tx1"/>
-                </a:solidFill>
-                <a:latin typeface="+mn-lt"/>
-                <a:ea typeface="+mn-ea"/>
-                <a:cs typeface="+mn-cs"/>
-              </a:defRPr>
-            </a:lvl6pPr>
-            <a:lvl7pPr marL="2743269" indent="0" algn="ctr" defTabSz="914423" rtl="0" eaLnBrk="1" latinLnBrk="1" hangingPunct="1">
-              <a:lnSpc>
-                <a:spcPct val="90000"/>
-              </a:lnSpc>
-              <a:spcBef>
-                <a:spcPts val="500"/>
-              </a:spcBef>
-              <a:buFont typeface="Arial"/>
-              <a:buNone/>
-              <a:defRPr sz="1600" kern="1200">
-                <a:solidFill>
-                  <a:schemeClr val="tx1"/>
-                </a:solidFill>
-                <a:latin typeface="+mn-lt"/>
-                <a:ea typeface="+mn-ea"/>
-                <a:cs typeface="+mn-cs"/>
-              </a:defRPr>
-            </a:lvl7pPr>
-            <a:lvl8pPr marL="3200480" indent="0" algn="ctr" defTabSz="914423" rtl="0" eaLnBrk="1" latinLnBrk="1" hangingPunct="1">
-              <a:lnSpc>
-                <a:spcPct val="90000"/>
-              </a:lnSpc>
-              <a:spcBef>
-                <a:spcPts val="500"/>
-              </a:spcBef>
-              <a:buFont typeface="Arial"/>
-              <a:buNone/>
-              <a:defRPr sz="1600" kern="1200">
-                <a:solidFill>
-                  <a:schemeClr val="tx1"/>
-                </a:solidFill>
-                <a:latin typeface="+mn-lt"/>
-                <a:ea typeface="+mn-ea"/>
-                <a:cs typeface="+mn-cs"/>
-              </a:defRPr>
-            </a:lvl8pPr>
-            <a:lvl9pPr marL="3657691" indent="0" algn="ctr" defTabSz="914423" rtl="0" eaLnBrk="1" latinLnBrk="1" hangingPunct="1">
-              <a:lnSpc>
-                <a:spcPct val="90000"/>
-              </a:lnSpc>
-              <a:spcBef>
-                <a:spcPts val="500"/>
-              </a:spcBef>
-              <a:buFont typeface="Arial"/>
-              <a:buNone/>
-              <a:defRPr sz="1600" kern="1200">
-                <a:solidFill>
-                  <a:schemeClr val="tx1"/>
-                </a:solidFill>
-                <a:latin typeface="+mn-lt"/>
-                <a:ea typeface="+mn-ea"/>
-                <a:cs typeface="+mn-cs"/>
-              </a:defRPr>
-            </a:lvl9pPr>
-          </a:lstStyle>
-          <a:p>
-            <a:r>
-              <a:rPr lang="ko-KR" altLang="en-US" sz="4800" dirty="0">
-                <a:solidFill>
-                  <a:schemeClr val="bg1"/>
-                </a:solidFill>
-                <a:latin typeface="+mj-lt"/>
-                <a:ea typeface="맑은 고딕" charset="-127"/>
-                <a:cs typeface="맑은 고딕" charset="-127"/>
-              </a:rPr>
-              <a:t>제품 </a:t>
-            </a:r>
-            <a:r>
-              <a:rPr lang="en-US" altLang="ko-KR" sz="4800" dirty="0">
-                <a:solidFill>
-                  <a:schemeClr val="bg1"/>
-                </a:solidFill>
-                <a:latin typeface="+mj-lt"/>
-                <a:ea typeface="맑은 고딕" charset="-127"/>
-                <a:cs typeface="맑은 고딕" charset="-127"/>
-              </a:rPr>
-              <a:t>Review</a:t>
-            </a:r>
-            <a:endParaRPr lang="ko-KR" altLang="en-US" sz="4800" dirty="0">
-              <a:solidFill>
-                <a:schemeClr val="bg1"/>
-              </a:solidFill>
-              <a:latin typeface="+mj-lt"/>
-              <a:ea typeface="맑은 고딕" charset="-127"/>
-              <a:cs typeface="맑은 고딕" charset="-127"/>
-            </a:endParaRPr>
-          </a:p>
-        </p:txBody>
-      </p:sp>
-    </p:spTree>
-    <p:extLst>
-      <p:ext uri="{BB962C8B-B14F-4D97-AF65-F5344CB8AC3E}">
-        <p14:creationId xmlns:p14="http://schemas.microsoft.com/office/powerpoint/2010/main" val="3953577241"/>
+        <p14:creationId xmlns:p14="http://schemas.microsoft.com/office/powerpoint/2010/main" val="539587114"/>
       </p:ext>
     </p:extLst>
   </p:cSld>
@@ -8322,86 +8226,6 @@
 </p:sld>
 </file>
 
-<file path=ppt/slides/slide20.xml><?xml version="1.0" encoding="utf-8"?>
-<p:sld xmlns:a="http://schemas.openxmlformats.org/drawingml/2006/main" xmlns:r="http://schemas.openxmlformats.org/officeDocument/2006/relationships" xmlns:p="http://schemas.openxmlformats.org/presentationml/2006/main">
-  <p:cSld>
-    <p:spTree>
-      <p:nvGrpSpPr>
-        <p:cNvPr id="1" name=""/>
-        <p:cNvGrpSpPr/>
-        <p:nvPr/>
-      </p:nvGrpSpPr>
-      <p:grpSpPr>
-        <a:xfrm>
-          <a:off x="0" y="0"/>
-          <a:ext cx="0" cy="0"/>
-          <a:chOff x="0" y="0"/>
-          <a:chExt cx="0" cy="0"/>
-        </a:xfrm>
-      </p:grpSpPr>
-      <p:sp>
-        <p:nvSpPr>
-          <p:cNvPr id="2" name="제목 1">
-            <a:extLst>
-              <a:ext uri="{FF2B5EF4-FFF2-40B4-BE49-F238E27FC236}">
-                <a16:creationId xmlns:a16="http://schemas.microsoft.com/office/drawing/2014/main" id="{2135F92A-65F5-4C7A-8C04-BF5F199039F2}"/>
-              </a:ext>
-            </a:extLst>
-          </p:cNvPr>
-          <p:cNvSpPr>
-            <a:spLocks noGrp="1"/>
-          </p:cNvSpPr>
-          <p:nvPr>
-            <p:ph type="title"/>
-          </p:nvPr>
-        </p:nvSpPr>
-        <p:spPr/>
-        <p:txBody>
-          <a:bodyPr/>
-          <a:lstStyle/>
-          <a:p>
-            <a:endParaRPr lang="ko-KR" altLang="en-US"/>
-          </a:p>
-        </p:txBody>
-      </p:sp>
-      <p:sp>
-        <p:nvSpPr>
-          <p:cNvPr id="3" name="내용 개체 틀 2">
-            <a:extLst>
-              <a:ext uri="{FF2B5EF4-FFF2-40B4-BE49-F238E27FC236}">
-                <a16:creationId xmlns:a16="http://schemas.microsoft.com/office/drawing/2014/main" id="{FB21A4AE-E1C2-4042-9B9E-43F419C42235}"/>
-              </a:ext>
-            </a:extLst>
-          </p:cNvPr>
-          <p:cNvSpPr>
-            <a:spLocks noGrp="1"/>
-          </p:cNvSpPr>
-          <p:nvPr>
-            <p:ph idx="1"/>
-          </p:nvPr>
-        </p:nvSpPr>
-        <p:spPr/>
-        <p:txBody>
-          <a:bodyPr/>
-          <a:lstStyle/>
-          <a:p>
-            <a:endParaRPr lang="ko-KR" altLang="en-US"/>
-          </a:p>
-        </p:txBody>
-      </p:sp>
-    </p:spTree>
-    <p:extLst>
-      <p:ext uri="{BB962C8B-B14F-4D97-AF65-F5344CB8AC3E}">
-        <p14:creationId xmlns:p14="http://schemas.microsoft.com/office/powerpoint/2010/main" val="539587114"/>
-      </p:ext>
-    </p:extLst>
-  </p:cSld>
-  <p:clrMapOvr>
-    <a:masterClrMapping/>
-  </p:clrMapOvr>
-</p:sld>
-</file>
-
 <file path=ppt/slides/slide3.xml><?xml version="1.0" encoding="utf-8"?>
 <p:sld xmlns:a="http://schemas.openxmlformats.org/drawingml/2006/main" xmlns:r="http://schemas.openxmlformats.org/officeDocument/2006/relationships" xmlns:p="http://schemas.openxmlformats.org/presentationml/2006/main">
   <p:cSld>
@@ -8699,13 +8523,7 @@
       </p:grpSpPr>
       <p:sp>
         <p:nvSpPr>
-          <p:cNvPr id="2" name="제목 1">
-            <a:extLst>
-              <a:ext uri="{FF2B5EF4-FFF2-40B4-BE49-F238E27FC236}">
-                <a16:creationId xmlns:a16="http://schemas.microsoft.com/office/drawing/2014/main" id="{6B2ABD1D-89B9-46C3-93F9-60E75D45CF35}"/>
-              </a:ext>
-            </a:extLst>
-          </p:cNvPr>
+          <p:cNvPr id="2" name="제목 1"/>
           <p:cNvSpPr>
             <a:spLocks noGrp="1"/>
           </p:cNvSpPr>
@@ -8713,45 +8531,24 @@
             <p:ph type="title"/>
           </p:nvPr>
         </p:nvSpPr>
-        <p:spPr>
-          <a:xfrm>
-            <a:off x="838200" y="365125"/>
-            <a:ext cx="10943492" cy="1325563"/>
-          </a:xfrm>
-        </p:spPr>
+        <p:spPr/>
         <p:txBody>
-          <a:bodyPr>
-            <a:normAutofit/>
-          </a:bodyPr>
+          <a:bodyPr/>
           <a:lstStyle/>
           <a:p>
-            <a:pPr algn="ctr"/>
-            <a:r>
-              <a:rPr lang="en-US" altLang="ko-KR" sz="3200" dirty="0" smtClean="0"/>
-              <a:t>1) </a:t>
-            </a:r>
-            <a:r>
-              <a:rPr lang="ko-KR" altLang="en-US" sz="3200" dirty="0" smtClean="0"/>
-              <a:t>검색하면 바로 나오는 단계별 악보 모음집</a:t>
-            </a:r>
-            <a:r>
-              <a:rPr lang="en-US" altLang="ko-KR" sz="3200" dirty="0" smtClean="0"/>
-              <a:t> </a:t>
-            </a:r>
-            <a:r>
-              <a:rPr lang="ko-KR" altLang="en-US" sz="3200" dirty="0" smtClean="0"/>
-              <a:t>애플리케이션</a:t>
-            </a:r>
-            <a:endParaRPr lang="ko-KR" altLang="en-US" sz="3200" dirty="0"/>
+            <a:r>
+              <a:rPr lang="ko-KR" altLang="en-US" dirty="0"/>
+              <a:t>아이디어 노트</a:t>
+            </a:r>
           </a:p>
         </p:txBody>
       </p:sp>
       <p:sp>
         <p:nvSpPr>
-          <p:cNvPr id="3" name="내용 개체 틀 2">
+          <p:cNvPr id="5" name="내용 개체 틀 4">
             <a:extLst>
               <a:ext uri="{FF2B5EF4-FFF2-40B4-BE49-F238E27FC236}">
-                <a16:creationId xmlns:a16="http://schemas.microsoft.com/office/drawing/2014/main" id="{90B0E974-042F-42DD-BA4C-4B951EB36801}"/>
+                <a16:creationId xmlns:a16="http://schemas.microsoft.com/office/drawing/2014/main" id="{28C48653-AEC1-4246-B0FD-9BE0516852AB}"/>
               </a:ext>
             </a:extLst>
           </p:cNvPr>
@@ -8764,182 +8561,17 @@
         </p:nvSpPr>
         <p:spPr/>
         <p:txBody>
-          <a:bodyPr>
-            <a:normAutofit fontScale="92500" lnSpcReduction="10000"/>
-          </a:bodyPr>
+          <a:bodyPr/>
           <a:lstStyle/>
           <a:p>
             <a:r>
-              <a:rPr lang="ko-KR" altLang="en-US" dirty="0" smtClean="0"/>
-              <a:t>보통 가정집에</a:t>
-            </a:r>
-            <a:r>
-              <a:rPr lang="en-US" altLang="ko-KR" dirty="0" smtClean="0"/>
-              <a:t>, </a:t>
-            </a:r>
-            <a:r>
-              <a:rPr lang="ko-KR" altLang="en-US" dirty="0" smtClean="0"/>
-              <a:t>어린 자녀</a:t>
-            </a:r>
-            <a:r>
-              <a:rPr lang="en-US" altLang="ko-KR" dirty="0" smtClean="0"/>
-              <a:t>(5~13</a:t>
-            </a:r>
-            <a:r>
-              <a:rPr lang="ko-KR" altLang="en-US" dirty="0" smtClean="0"/>
-              <a:t>살</a:t>
-            </a:r>
-            <a:r>
-              <a:rPr lang="en-US" altLang="ko-KR" dirty="0" smtClean="0"/>
-              <a:t>)</a:t>
-            </a:r>
-            <a:r>
-              <a:rPr lang="ko-KR" altLang="en-US" dirty="0" smtClean="0"/>
-              <a:t>가 있으면 피아노가 하나씩 있음</a:t>
-            </a:r>
-            <a:r>
-              <a:rPr lang="en-US" altLang="ko-KR" dirty="0" smtClean="0"/>
+              <a:rPr lang="ko-KR" altLang="en-US" dirty="0"/>
+              <a:t>개발하고자 하는 아이디어에 대해 기술한다</a:t>
+            </a:r>
+            <a:r>
+              <a:rPr lang="en-US" altLang="ko-KR" dirty="0"/>
               <a:t>.</a:t>
             </a:r>
-            <a:endParaRPr lang="en-US" altLang="ko-KR" dirty="0"/>
-          </a:p>
-          <a:p>
-            <a:pPr marL="0" indent="0">
-              <a:buNone/>
-            </a:pPr>
-            <a:r>
-              <a:rPr lang="en-US" altLang="ko-KR" sz="2400" dirty="0" smtClean="0"/>
-              <a:t>-&gt; </a:t>
-            </a:r>
-            <a:r>
-              <a:rPr lang="ko-KR" altLang="en-US" sz="2400" dirty="0" smtClean="0"/>
-              <a:t>처음에는 기초 단계의 악보를 사서 쓸 수 있으나</a:t>
-            </a:r>
-            <a:r>
-              <a:rPr lang="en-US" altLang="ko-KR" sz="2400" dirty="0" smtClean="0"/>
-              <a:t>, </a:t>
-            </a:r>
-            <a:r>
-              <a:rPr lang="ko-KR" altLang="en-US" sz="2400" dirty="0" smtClean="0"/>
-              <a:t>자녀의 실력이 늘수록 더 많은 책이 필요하게 되고</a:t>
-            </a:r>
-            <a:r>
-              <a:rPr lang="en-US" altLang="ko-KR" sz="2400" dirty="0" smtClean="0"/>
-              <a:t>, </a:t>
-            </a:r>
-            <a:r>
-              <a:rPr lang="ko-KR" altLang="en-US" sz="2400" dirty="0" smtClean="0"/>
-              <a:t>비용적인 문제 발생</a:t>
-            </a:r>
-            <a:endParaRPr lang="en-US" altLang="ko-KR" sz="2400" dirty="0" smtClean="0"/>
-          </a:p>
-          <a:p>
-            <a:endParaRPr lang="en-US" altLang="ko-KR" sz="2400" dirty="0" smtClean="0"/>
-          </a:p>
-          <a:p>
-            <a:r>
-              <a:rPr lang="ko-KR" altLang="en-US" dirty="0" smtClean="0"/>
-              <a:t>비용적인 문제 해결 </a:t>
-            </a:r>
-            <a:r>
-              <a:rPr lang="en-US" altLang="ko-KR" dirty="0" smtClean="0"/>
-              <a:t>&amp; </a:t>
-            </a:r>
-            <a:r>
-              <a:rPr lang="ko-KR" altLang="en-US" dirty="0" smtClean="0"/>
-              <a:t>시간 절감의 효과를 볼 수 있음</a:t>
-            </a:r>
-            <a:endParaRPr lang="en-US" altLang="ko-KR" dirty="0" smtClean="0"/>
-          </a:p>
-          <a:p>
-            <a:endParaRPr lang="en-US" altLang="ko-KR" dirty="0" smtClean="0"/>
-          </a:p>
-          <a:p>
-            <a:r>
-              <a:rPr lang="ko-KR" altLang="en-US" dirty="0" smtClean="0"/>
-              <a:t>어느정도 기준</a:t>
-            </a:r>
-            <a:r>
-              <a:rPr lang="en-US" altLang="ko-KR" dirty="0" smtClean="0"/>
-              <a:t>(</a:t>
-            </a:r>
-            <a:r>
-              <a:rPr lang="ko-KR" altLang="en-US" dirty="0" smtClean="0"/>
-              <a:t>기초</a:t>
-            </a:r>
-            <a:r>
-              <a:rPr lang="en-US" altLang="ko-KR" dirty="0" smtClean="0"/>
-              <a:t>-</a:t>
-            </a:r>
-            <a:r>
-              <a:rPr lang="ko-KR" altLang="en-US" dirty="0" smtClean="0"/>
-              <a:t>기본</a:t>
-            </a:r>
-            <a:r>
-              <a:rPr lang="en-US" altLang="ko-KR" dirty="0" smtClean="0"/>
-              <a:t>-</a:t>
-            </a:r>
-            <a:r>
-              <a:rPr lang="ko-KR" altLang="en-US" dirty="0" smtClean="0"/>
-              <a:t>중급</a:t>
-            </a:r>
-            <a:r>
-              <a:rPr lang="en-US" altLang="ko-KR" dirty="0" smtClean="0"/>
-              <a:t>-</a:t>
-            </a:r>
-            <a:r>
-              <a:rPr lang="ko-KR" altLang="en-US" dirty="0" smtClean="0"/>
-              <a:t>고급</a:t>
-            </a:r>
-            <a:r>
-              <a:rPr lang="en-US" altLang="ko-KR" dirty="0" smtClean="0"/>
-              <a:t>)</a:t>
-            </a:r>
-            <a:r>
-              <a:rPr lang="ko-KR" altLang="en-US" dirty="0" smtClean="0"/>
-              <a:t>순으로 단계별로 생성</a:t>
-            </a:r>
-            <a:endParaRPr lang="en-US" altLang="ko-KR" dirty="0" smtClean="0"/>
-          </a:p>
-          <a:p>
-            <a:endParaRPr lang="en-US" altLang="ko-KR" dirty="0"/>
-          </a:p>
-          <a:p>
-            <a:r>
-              <a:rPr lang="en-US" altLang="ko-KR" dirty="0" smtClean="0"/>
-              <a:t>* </a:t>
-            </a:r>
-            <a:r>
-              <a:rPr lang="ko-KR" altLang="en-US" dirty="0" smtClean="0"/>
-              <a:t>심화과정 </a:t>
-            </a:r>
-            <a:r>
-              <a:rPr lang="en-US" altLang="ko-KR" dirty="0" smtClean="0"/>
-              <a:t>: </a:t>
-            </a:r>
-            <a:r>
-              <a:rPr lang="ko-KR" altLang="en-US" dirty="0" smtClean="0"/>
-              <a:t>기초의 모든 악보를 </a:t>
-            </a:r>
-            <a:r>
-              <a:rPr lang="ko-KR" altLang="en-US" dirty="0" err="1" smtClean="0"/>
-              <a:t>클리어</a:t>
-            </a:r>
-            <a:r>
-              <a:rPr lang="ko-KR" altLang="en-US" dirty="0" smtClean="0"/>
-              <a:t> 시</a:t>
-            </a:r>
-            <a:r>
-              <a:rPr lang="en-US" altLang="ko-KR" dirty="0" smtClean="0"/>
-              <a:t>, </a:t>
-            </a:r>
-            <a:r>
-              <a:rPr lang="ko-KR" altLang="en-US" dirty="0" smtClean="0"/>
-              <a:t>기본으로 넘어가는           커리큘럼 형식의 방법도 고안</a:t>
-            </a:r>
-            <a:endParaRPr lang="en-US" altLang="ko-KR" dirty="0" smtClean="0"/>
-          </a:p>
-          <a:p>
             <a:endParaRPr lang="ko-KR" altLang="en-US" dirty="0"/>
           </a:p>
         </p:txBody>
@@ -8947,7 +8579,7 @@
     </p:spTree>
     <p:extLst>
       <p:ext uri="{BB962C8B-B14F-4D97-AF65-F5344CB8AC3E}">
-        <p14:creationId xmlns:p14="http://schemas.microsoft.com/office/powerpoint/2010/main" val="753728932"/>
+        <p14:creationId xmlns:p14="http://schemas.microsoft.com/office/powerpoint/2010/main" val="3830968877"/>
       </p:ext>
     </p:extLst>
   </p:cSld>
@@ -8976,223 +8608,256 @@
       </p:grpSpPr>
       <p:sp>
         <p:nvSpPr>
-          <p:cNvPr id="2" name="제목 1"/>
-          <p:cNvSpPr>
-            <a:spLocks noGrp="1"/>
-          </p:cNvSpPr>
-          <p:nvPr>
-            <p:ph type="title"/>
-          </p:nvPr>
+          <p:cNvPr id="10" name="직사각형 9"/>
+          <p:cNvSpPr/>
+          <p:nvPr/>
         </p:nvSpPr>
-        <p:spPr/>
+        <p:spPr>
+          <a:xfrm>
+            <a:off x="-1" y="2398426"/>
+            <a:ext cx="12192001" cy="1338109"/>
+          </a:xfrm>
+          <a:prstGeom prst="rect">
+            <a:avLst/>
+          </a:prstGeom>
+          <a:solidFill>
+            <a:schemeClr val="accent1">
+              <a:lumMod val="75000"/>
+            </a:schemeClr>
+          </a:solidFill>
+          <a:ln>
+            <a:noFill/>
+          </a:ln>
+        </p:spPr>
+        <p:style>
+          <a:lnRef idx="2">
+            <a:schemeClr val="accent1">
+              <a:shade val="50000"/>
+            </a:schemeClr>
+          </a:lnRef>
+          <a:fillRef idx="1">
+            <a:schemeClr val="accent1"/>
+          </a:fillRef>
+          <a:effectRef idx="0">
+            <a:schemeClr val="accent1"/>
+          </a:effectRef>
+          <a:fontRef idx="minor">
+            <a:schemeClr val="lt1"/>
+          </a:fontRef>
+        </p:style>
         <p:txBody>
-          <a:bodyPr/>
+          <a:bodyPr rtlCol="0" anchor="ctr"/>
           <a:lstStyle/>
           <a:p>
             <a:pPr algn="ctr"/>
-            <a:r>
-              <a:rPr lang="en-US" altLang="ko-KR" dirty="0" smtClean="0"/>
-              <a:t>2) </a:t>
-            </a:r>
-            <a:r>
-              <a:rPr lang="ko-KR" altLang="en-US" dirty="0" smtClean="0"/>
-              <a:t>스마트폰 기반 블랙박스 앱</a:t>
-            </a:r>
-            <a:endParaRPr lang="ko-KR" altLang="en-US" dirty="0"/>
+            <a:endParaRPr kumimoji="1" lang="ko-KR" altLang="en-US" dirty="0"/>
           </a:p>
         </p:txBody>
       </p:sp>
       <p:sp>
         <p:nvSpPr>
-          <p:cNvPr id="3" name="내용 개체 틀 2"/>
-          <p:cNvSpPr>
-            <a:spLocks noGrp="1"/>
+          <p:cNvPr id="12" name="부제목 2"/>
+          <p:cNvSpPr txBox="1">
+            <a:spLocks/>
           </p:cNvSpPr>
-          <p:nvPr>
-            <p:ph idx="1"/>
-          </p:nvPr>
+          <p:nvPr/>
         </p:nvSpPr>
-        <p:spPr/>
+        <p:spPr>
+          <a:xfrm>
+            <a:off x="1" y="2608234"/>
+            <a:ext cx="12192000" cy="754314"/>
+          </a:xfrm>
+          <a:prstGeom prst="rect">
+            <a:avLst/>
+          </a:prstGeom>
+        </p:spPr>
         <p:txBody>
-          <a:bodyPr>
-            <a:normAutofit fontScale="62500" lnSpcReduction="20000"/>
+          <a:bodyPr vert="horz" lIns="91440" tIns="45720" rIns="91440" bIns="45720" rtlCol="0" anchor="ctr">
+            <a:noAutofit/>
           </a:bodyPr>
-          <a:lstStyle/>
-          <a:p>
-            <a:r>
-              <a:rPr lang="ko-KR" altLang="en-US" dirty="0" smtClean="0"/>
-              <a:t>오늘날</a:t>
-            </a:r>
-            <a:r>
-              <a:rPr lang="en-US" altLang="ko-KR" dirty="0" smtClean="0"/>
-              <a:t>, </a:t>
-            </a:r>
-            <a:r>
-              <a:rPr lang="ko-KR" altLang="en-US" dirty="0" smtClean="0"/>
-              <a:t>시간이 지날수록 교통사고의 수가 증가하고 있음</a:t>
-            </a:r>
-            <a:r>
-              <a:rPr lang="en-US" altLang="ko-KR" dirty="0" smtClean="0"/>
-              <a:t>.</a:t>
-            </a:r>
-          </a:p>
-          <a:p>
-            <a:endParaRPr lang="en-US" altLang="ko-KR" dirty="0" smtClean="0"/>
-          </a:p>
-          <a:p>
-            <a:r>
-              <a:rPr lang="ko-KR" altLang="en-US" dirty="0" smtClean="0"/>
-              <a:t>교통사고의 과실과 책임을 위해 블랙박스 기계를 필수적으로</a:t>
-            </a:r>
-            <a:endParaRPr lang="en-US" altLang="ko-KR" dirty="0" smtClean="0"/>
-          </a:p>
-          <a:p>
-            <a:r>
-              <a:rPr lang="ko-KR" altLang="en-US" dirty="0" smtClean="0"/>
-              <a:t>사용하는 사람들이 많아짐</a:t>
-            </a:r>
-            <a:endParaRPr lang="en-US" altLang="ko-KR" dirty="0" smtClean="0"/>
-          </a:p>
-          <a:p>
-            <a:endParaRPr lang="en-US" altLang="ko-KR" dirty="0" smtClean="0"/>
-          </a:p>
-          <a:p>
-            <a:r>
-              <a:rPr lang="ko-KR" altLang="en-US" dirty="0" smtClean="0"/>
-              <a:t>하지만</a:t>
-            </a:r>
-            <a:r>
-              <a:rPr lang="en-US" altLang="ko-KR" dirty="0" smtClean="0"/>
-              <a:t>, </a:t>
-            </a:r>
-            <a:r>
-              <a:rPr lang="ko-KR" altLang="en-US" dirty="0" smtClean="0"/>
-              <a:t>성능이 좋은 블랙박스는 가격이 비싸 부담이 됨</a:t>
-            </a:r>
-            <a:endParaRPr lang="en-US" altLang="ko-KR" dirty="0" smtClean="0"/>
-          </a:p>
-          <a:p>
-            <a:endParaRPr lang="en-US" altLang="ko-KR" dirty="0" smtClean="0"/>
-          </a:p>
-          <a:p>
-            <a:r>
-              <a:rPr lang="ko-KR" altLang="en-US" dirty="0" smtClean="0"/>
-              <a:t>성능도 좋고</a:t>
-            </a:r>
-            <a:r>
-              <a:rPr lang="en-US" altLang="ko-KR" dirty="0" smtClean="0"/>
-              <a:t>, </a:t>
-            </a:r>
-            <a:r>
-              <a:rPr lang="ko-KR" altLang="en-US" dirty="0" smtClean="0"/>
-              <a:t>누구나 편리하게 사용 가능한 블랙박스 앱이 필요</a:t>
-            </a:r>
-            <a:endParaRPr lang="en-US" altLang="ko-KR" dirty="0" smtClean="0"/>
-          </a:p>
-          <a:p>
-            <a:endParaRPr lang="en-US" altLang="ko-KR" dirty="0"/>
-          </a:p>
-          <a:p>
-            <a:r>
-              <a:rPr lang="ko-KR" altLang="en-US" dirty="0" smtClean="0"/>
-              <a:t>단점</a:t>
-            </a:r>
-            <a:r>
-              <a:rPr lang="en-US" altLang="ko-KR" dirty="0" smtClean="0"/>
-              <a:t>1</a:t>
-            </a:r>
-            <a:r>
-              <a:rPr lang="ko-KR" altLang="en-US" dirty="0" smtClean="0"/>
-              <a:t>으로</a:t>
-            </a:r>
-            <a:r>
-              <a:rPr lang="en-US" altLang="ko-KR" dirty="0" smtClean="0"/>
-              <a:t>, </a:t>
-            </a:r>
-            <a:r>
-              <a:rPr lang="ko-KR" altLang="en-US" dirty="0" smtClean="0"/>
-              <a:t>운전 중</a:t>
-            </a:r>
-            <a:r>
-              <a:rPr lang="en-US" altLang="ko-KR" dirty="0" smtClean="0"/>
-              <a:t>, </a:t>
-            </a:r>
-            <a:r>
-              <a:rPr lang="ko-KR" altLang="en-US" dirty="0" smtClean="0"/>
-              <a:t>통화나 폰을 사용해야할 경우에는</a:t>
-            </a:r>
-            <a:r>
-              <a:rPr lang="en-US" altLang="ko-KR" dirty="0" smtClean="0"/>
-              <a:t>, </a:t>
-            </a:r>
-            <a:r>
-              <a:rPr lang="ko-KR" altLang="en-US" dirty="0" smtClean="0"/>
-              <a:t>본인의 폰을 못쓴다는 문제가 발생</a:t>
-            </a:r>
-            <a:endParaRPr lang="en-US" altLang="ko-KR" dirty="0" smtClean="0"/>
-          </a:p>
-          <a:p>
-            <a:r>
-              <a:rPr lang="en-US" altLang="ko-KR" dirty="0" smtClean="0"/>
-              <a:t>-&gt; </a:t>
-            </a:r>
-            <a:r>
-              <a:rPr lang="ko-KR" altLang="en-US" dirty="0" smtClean="0"/>
-              <a:t>해결방법이 필요</a:t>
-            </a:r>
-            <a:endParaRPr lang="en-US" altLang="ko-KR" dirty="0" smtClean="0"/>
-          </a:p>
-          <a:p>
-            <a:r>
-              <a:rPr lang="ko-KR" altLang="en-US" dirty="0" smtClean="0"/>
-              <a:t>단점</a:t>
-            </a:r>
-            <a:r>
-              <a:rPr lang="en-US" altLang="ko-KR" dirty="0" smtClean="0"/>
-              <a:t>2</a:t>
-            </a:r>
-            <a:r>
-              <a:rPr lang="ko-KR" altLang="en-US" dirty="0" smtClean="0"/>
-              <a:t>로</a:t>
-            </a:r>
-            <a:r>
-              <a:rPr lang="en-US" altLang="ko-KR" dirty="0" smtClean="0"/>
-              <a:t>, </a:t>
-            </a:r>
-            <a:r>
-              <a:rPr lang="ko-KR" altLang="en-US" dirty="0" smtClean="0"/>
-              <a:t>앱에 대해 선입견을 가지고 있는 사람들은</a:t>
-            </a:r>
-            <a:r>
-              <a:rPr lang="en-US" altLang="ko-KR" dirty="0" smtClean="0"/>
-              <a:t>, </a:t>
-            </a:r>
-            <a:r>
-              <a:rPr lang="ko-KR" altLang="en-US" dirty="0" smtClean="0"/>
-              <a:t>편리한 블랙박스 기계를 선호할 것</a:t>
-            </a:r>
-            <a:endParaRPr lang="en-US" altLang="ko-KR" dirty="0" smtClean="0"/>
-          </a:p>
-          <a:p>
-            <a:r>
-              <a:rPr lang="en-US" altLang="ko-KR" dirty="0" smtClean="0"/>
-              <a:t>-&gt; </a:t>
-            </a:r>
-            <a:r>
-              <a:rPr lang="ko-KR" altLang="en-US" dirty="0" smtClean="0"/>
-              <a:t>누구나 쉽고 편리하게 사용 가능하게끔 만들 필요가 생김</a:t>
-            </a:r>
-            <a:endParaRPr lang="en-US" altLang="ko-KR" dirty="0" smtClean="0"/>
-          </a:p>
-          <a:p>
-            <a:endParaRPr lang="en-US" altLang="ko-KR" dirty="0"/>
+          <a:lstStyle>
+            <a:lvl1pPr marL="0" indent="0" algn="ctr" defTabSz="914423" rtl="0" eaLnBrk="1" latinLnBrk="1" hangingPunct="1">
+              <a:lnSpc>
+                <a:spcPct val="90000"/>
+              </a:lnSpc>
+              <a:spcBef>
+                <a:spcPts val="1001"/>
+              </a:spcBef>
+              <a:buFont typeface="Arial"/>
+              <a:buNone/>
+              <a:defRPr sz="2400" kern="1200">
+                <a:solidFill>
+                  <a:schemeClr val="tx1"/>
+                </a:solidFill>
+                <a:latin typeface="+mn-lt"/>
+                <a:ea typeface="+mn-ea"/>
+                <a:cs typeface="+mn-cs"/>
+              </a:defRPr>
+            </a:lvl1pPr>
+            <a:lvl2pPr marL="457211" indent="0" algn="ctr" defTabSz="914423" rtl="0" eaLnBrk="1" latinLnBrk="1" hangingPunct="1">
+              <a:lnSpc>
+                <a:spcPct val="90000"/>
+              </a:lnSpc>
+              <a:spcBef>
+                <a:spcPts val="500"/>
+              </a:spcBef>
+              <a:buFont typeface="Arial"/>
+              <a:buNone/>
+              <a:defRPr sz="2000" kern="1200">
+                <a:solidFill>
+                  <a:schemeClr val="tx1"/>
+                </a:solidFill>
+                <a:latin typeface="+mn-lt"/>
+                <a:ea typeface="+mn-ea"/>
+                <a:cs typeface="+mn-cs"/>
+              </a:defRPr>
+            </a:lvl2pPr>
+            <a:lvl3pPr marL="914423" indent="0" algn="ctr" defTabSz="914423" rtl="0" eaLnBrk="1" latinLnBrk="1" hangingPunct="1">
+              <a:lnSpc>
+                <a:spcPct val="90000"/>
+              </a:lnSpc>
+              <a:spcBef>
+                <a:spcPts val="500"/>
+              </a:spcBef>
+              <a:buFont typeface="Arial"/>
+              <a:buNone/>
+              <a:defRPr sz="1801" kern="1200">
+                <a:solidFill>
+                  <a:schemeClr val="tx1"/>
+                </a:solidFill>
+                <a:latin typeface="+mn-lt"/>
+                <a:ea typeface="+mn-ea"/>
+                <a:cs typeface="+mn-cs"/>
+              </a:defRPr>
+            </a:lvl3pPr>
+            <a:lvl4pPr marL="1371634" indent="0" algn="ctr" defTabSz="914423" rtl="0" eaLnBrk="1" latinLnBrk="1" hangingPunct="1">
+              <a:lnSpc>
+                <a:spcPct val="90000"/>
+              </a:lnSpc>
+              <a:spcBef>
+                <a:spcPts val="500"/>
+              </a:spcBef>
+              <a:buFont typeface="Arial"/>
+              <a:buNone/>
+              <a:defRPr sz="1600" kern="1200">
+                <a:solidFill>
+                  <a:schemeClr val="tx1"/>
+                </a:solidFill>
+                <a:latin typeface="+mn-lt"/>
+                <a:ea typeface="+mn-ea"/>
+                <a:cs typeface="+mn-cs"/>
+              </a:defRPr>
+            </a:lvl4pPr>
+            <a:lvl5pPr marL="1828846" indent="0" algn="ctr" defTabSz="914423" rtl="0" eaLnBrk="1" latinLnBrk="1" hangingPunct="1">
+              <a:lnSpc>
+                <a:spcPct val="90000"/>
+              </a:lnSpc>
+              <a:spcBef>
+                <a:spcPts val="500"/>
+              </a:spcBef>
+              <a:buFont typeface="Arial"/>
+              <a:buNone/>
+              <a:defRPr sz="1600" kern="1200">
+                <a:solidFill>
+                  <a:schemeClr val="tx1"/>
+                </a:solidFill>
+                <a:latin typeface="+mn-lt"/>
+                <a:ea typeface="+mn-ea"/>
+                <a:cs typeface="+mn-cs"/>
+              </a:defRPr>
+            </a:lvl5pPr>
+            <a:lvl6pPr marL="2286057" indent="0" algn="ctr" defTabSz="914423" rtl="0" eaLnBrk="1" latinLnBrk="1" hangingPunct="1">
+              <a:lnSpc>
+                <a:spcPct val="90000"/>
+              </a:lnSpc>
+              <a:spcBef>
+                <a:spcPts val="500"/>
+              </a:spcBef>
+              <a:buFont typeface="Arial"/>
+              <a:buNone/>
+              <a:defRPr sz="1600" kern="1200">
+                <a:solidFill>
+                  <a:schemeClr val="tx1"/>
+                </a:solidFill>
+                <a:latin typeface="+mn-lt"/>
+                <a:ea typeface="+mn-ea"/>
+                <a:cs typeface="+mn-cs"/>
+              </a:defRPr>
+            </a:lvl6pPr>
+            <a:lvl7pPr marL="2743269" indent="0" algn="ctr" defTabSz="914423" rtl="0" eaLnBrk="1" latinLnBrk="1" hangingPunct="1">
+              <a:lnSpc>
+                <a:spcPct val="90000"/>
+              </a:lnSpc>
+              <a:spcBef>
+                <a:spcPts val="500"/>
+              </a:spcBef>
+              <a:buFont typeface="Arial"/>
+              <a:buNone/>
+              <a:defRPr sz="1600" kern="1200">
+                <a:solidFill>
+                  <a:schemeClr val="tx1"/>
+                </a:solidFill>
+                <a:latin typeface="+mn-lt"/>
+                <a:ea typeface="+mn-ea"/>
+                <a:cs typeface="+mn-cs"/>
+              </a:defRPr>
+            </a:lvl7pPr>
+            <a:lvl8pPr marL="3200480" indent="0" algn="ctr" defTabSz="914423" rtl="0" eaLnBrk="1" latinLnBrk="1" hangingPunct="1">
+              <a:lnSpc>
+                <a:spcPct val="90000"/>
+              </a:lnSpc>
+              <a:spcBef>
+                <a:spcPts val="500"/>
+              </a:spcBef>
+              <a:buFont typeface="Arial"/>
+              <a:buNone/>
+              <a:defRPr sz="1600" kern="1200">
+                <a:solidFill>
+                  <a:schemeClr val="tx1"/>
+                </a:solidFill>
+                <a:latin typeface="+mn-lt"/>
+                <a:ea typeface="+mn-ea"/>
+                <a:cs typeface="+mn-cs"/>
+              </a:defRPr>
+            </a:lvl8pPr>
+            <a:lvl9pPr marL="3657691" indent="0" algn="ctr" defTabSz="914423" rtl="0" eaLnBrk="1" latinLnBrk="1" hangingPunct="1">
+              <a:lnSpc>
+                <a:spcPct val="90000"/>
+              </a:lnSpc>
+              <a:spcBef>
+                <a:spcPts val="500"/>
+              </a:spcBef>
+              <a:buFont typeface="Arial"/>
+              <a:buNone/>
+              <a:defRPr sz="1600" kern="1200">
+                <a:solidFill>
+                  <a:schemeClr val="tx1"/>
+                </a:solidFill>
+                <a:latin typeface="+mn-lt"/>
+                <a:ea typeface="+mn-ea"/>
+                <a:cs typeface="+mn-cs"/>
+              </a:defRPr>
+            </a:lvl9pPr>
+          </a:lstStyle>
+          <a:p>
+            <a:r>
+              <a:rPr lang="ko-KR" altLang="en-US" sz="4800" dirty="0">
+                <a:solidFill>
+                  <a:schemeClr val="bg1"/>
+                </a:solidFill>
+                <a:latin typeface="+mj-lt"/>
+                <a:ea typeface="맑은 고딕" charset="-127"/>
+                <a:cs typeface="맑은 고딕" charset="-127"/>
+              </a:rPr>
+              <a:t>요구사항 정의</a:t>
+            </a:r>
           </a:p>
         </p:txBody>
       </p:sp>
     </p:spTree>
     <p:extLst>
       <p:ext uri="{BB962C8B-B14F-4D97-AF65-F5344CB8AC3E}">
-        <p14:creationId xmlns:p14="http://schemas.microsoft.com/office/powerpoint/2010/main" val="1077489434"/>
+        <p14:creationId xmlns:p14="http://schemas.microsoft.com/office/powerpoint/2010/main" val="61439574"/>
       </p:ext>
     </p:extLst>
   </p:cSld>
@@ -9221,7 +8886,13 @@
       </p:grpSpPr>
       <p:sp>
         <p:nvSpPr>
-          <p:cNvPr id="2" name="제목 1"/>
+          <p:cNvPr id="2" name="제목 1">
+            <a:extLst>
+              <a:ext uri="{FF2B5EF4-FFF2-40B4-BE49-F238E27FC236}">
+                <a16:creationId xmlns:a16="http://schemas.microsoft.com/office/drawing/2014/main" id="{10D8F4DE-BDA8-4E82-B0E1-CB2362CD6602}"/>
+              </a:ext>
+            </a:extLst>
+          </p:cNvPr>
           <p:cNvSpPr>
             <a:spLocks noGrp="1"/>
           </p:cNvSpPr>
@@ -9234,37 +8905,19 @@
           <a:bodyPr/>
           <a:lstStyle/>
           <a:p>
-            <a:r>
-              <a:rPr lang="en-US" altLang="ko-KR" dirty="0" smtClean="0"/>
-              <a:t>3) </a:t>
-            </a:r>
-            <a:r>
-              <a:rPr lang="ko-KR" altLang="en-US" dirty="0" smtClean="0"/>
-              <a:t>범죄자</a:t>
-            </a:r>
-            <a:r>
-              <a:rPr lang="en-US" altLang="ko-KR" dirty="0" smtClean="0"/>
-              <a:t>(</a:t>
-            </a:r>
-            <a:r>
-              <a:rPr lang="ko-KR" altLang="en-US" dirty="0" smtClean="0"/>
-              <a:t>모든</a:t>
-            </a:r>
-            <a:r>
-              <a:rPr lang="en-US" altLang="ko-KR" dirty="0" smtClean="0"/>
-              <a:t>) </a:t>
-            </a:r>
-            <a:r>
-              <a:rPr lang="ko-KR" altLang="en-US" dirty="0" smtClean="0"/>
-              <a:t>동선 추적</a:t>
-            </a:r>
-            <a:endParaRPr lang="ko-KR" altLang="en-US" dirty="0"/>
+            <a:endParaRPr lang="ko-KR" altLang="en-US"/>
           </a:p>
         </p:txBody>
       </p:sp>
       <p:sp>
         <p:nvSpPr>
-          <p:cNvPr id="3" name="내용 개체 틀 2"/>
+          <p:cNvPr id="3" name="내용 개체 틀 2">
+            <a:extLst>
+              <a:ext uri="{FF2B5EF4-FFF2-40B4-BE49-F238E27FC236}">
+                <a16:creationId xmlns:a16="http://schemas.microsoft.com/office/drawing/2014/main" id="{1763B084-A25C-4CA8-B695-973990AE3F62}"/>
+              </a:ext>
+            </a:extLst>
+          </p:cNvPr>
           <p:cNvSpPr>
             <a:spLocks noGrp="1"/>
           </p:cNvSpPr>
@@ -9272,329 +8925,22 @@
             <p:ph idx="1"/>
           </p:nvPr>
         </p:nvSpPr>
-        <p:spPr>
-          <a:xfrm>
-            <a:off x="325314" y="1825625"/>
-            <a:ext cx="11028485" cy="4351338"/>
-          </a:xfrm>
-        </p:spPr>
+        <p:spPr/>
         <p:txBody>
-          <a:bodyPr>
-            <a:normAutofit fontScale="62500" lnSpcReduction="20000"/>
-          </a:bodyPr>
+          <a:bodyPr/>
           <a:lstStyle/>
           <a:p>
             <a:r>
-              <a:rPr lang="ko-KR" altLang="en-US" dirty="0" smtClean="0"/>
-              <a:t>계기</a:t>
-            </a:r>
-            <a:r>
-              <a:rPr lang="en-US" altLang="ko-KR" dirty="0"/>
-              <a:t> </a:t>
-            </a:r>
-            <a:r>
-              <a:rPr lang="en-US" altLang="ko-KR" dirty="0" smtClean="0"/>
-              <a:t>: </a:t>
-            </a:r>
-            <a:r>
-              <a:rPr lang="ko-KR" altLang="en-US" dirty="0" smtClean="0"/>
-              <a:t>최근 범죄자들의 수가 증가하면서</a:t>
-            </a:r>
-            <a:r>
-              <a:rPr lang="en-US" altLang="ko-KR" dirty="0" smtClean="0"/>
-              <a:t>, </a:t>
-            </a:r>
-            <a:r>
-              <a:rPr lang="ko-KR" altLang="en-US" dirty="0" smtClean="0"/>
-              <a:t>사람들이 불안에 떨고 있음</a:t>
-            </a:r>
-            <a:r>
-              <a:rPr lang="en-US" altLang="ko-KR" dirty="0" smtClean="0"/>
-              <a:t>.</a:t>
-            </a:r>
-          </a:p>
-          <a:p>
-            <a:pPr marL="0" indent="0">
-              <a:buNone/>
-            </a:pPr>
-            <a:r>
-              <a:rPr lang="en-US" altLang="ko-KR" dirty="0" smtClean="0"/>
-              <a:t>-&gt; 30%</a:t>
-            </a:r>
-            <a:r>
-              <a:rPr lang="ko-KR" altLang="en-US" dirty="0" smtClean="0"/>
-              <a:t>정도의 스마트폰 사용자들은 앱이 있다는 것을</a:t>
-            </a:r>
-            <a:r>
-              <a:rPr lang="en-US" altLang="ko-KR" dirty="0"/>
-              <a:t> </a:t>
-            </a:r>
-            <a:r>
-              <a:rPr lang="ko-KR" altLang="en-US" dirty="0" smtClean="0"/>
-              <a:t>알고 있으나</a:t>
-            </a:r>
-            <a:r>
-              <a:rPr lang="en-US" altLang="ko-KR" dirty="0" smtClean="0"/>
-              <a:t>, </a:t>
-            </a:r>
-          </a:p>
-          <a:p>
-            <a:pPr marL="0" indent="0">
-              <a:buNone/>
-            </a:pPr>
-            <a:r>
-              <a:rPr lang="en-US" altLang="ko-KR" dirty="0"/>
-              <a:t> </a:t>
-            </a:r>
-            <a:r>
-              <a:rPr lang="en-US" altLang="ko-KR" dirty="0" smtClean="0"/>
-              <a:t>   </a:t>
-            </a:r>
-            <a:r>
-              <a:rPr lang="ko-KR" altLang="en-US" dirty="0" smtClean="0"/>
-              <a:t>이마저 사용하는 사람들이 극소수임</a:t>
-            </a:r>
-            <a:r>
-              <a:rPr lang="en-US" altLang="ko-KR" dirty="0" smtClean="0"/>
-              <a:t>.</a:t>
-            </a:r>
-          </a:p>
-          <a:p>
-            <a:pPr marL="0" indent="0">
-              <a:buNone/>
-            </a:pPr>
-            <a:endParaRPr lang="en-US" altLang="ko-KR" dirty="0" smtClean="0"/>
-          </a:p>
-          <a:p>
-            <a:pPr marL="0" indent="0">
-              <a:buNone/>
-            </a:pPr>
-            <a:r>
-              <a:rPr lang="ko-KR" altLang="en-US" dirty="0" smtClean="0"/>
-              <a:t>또한</a:t>
-            </a:r>
-            <a:r>
-              <a:rPr lang="en-US" altLang="ko-KR" dirty="0" smtClean="0"/>
-              <a:t>, </a:t>
-            </a:r>
-            <a:r>
-              <a:rPr lang="ko-KR" altLang="en-US" dirty="0" smtClean="0"/>
-              <a:t>전자팔찌를 차고있는 범죄자들의 동선만 알 뿐</a:t>
-            </a:r>
-            <a:r>
-              <a:rPr lang="en-US" altLang="ko-KR" dirty="0" smtClean="0"/>
-              <a:t>, </a:t>
-            </a:r>
-            <a:r>
-              <a:rPr lang="ko-KR" altLang="en-US" dirty="0" smtClean="0"/>
-              <a:t>애매한 범죄를 </a:t>
-            </a:r>
-            <a:endParaRPr lang="en-US" altLang="ko-KR" dirty="0" smtClean="0"/>
-          </a:p>
-          <a:p>
-            <a:pPr marL="0" indent="0">
-              <a:buNone/>
-            </a:pPr>
-            <a:r>
-              <a:rPr lang="ko-KR" altLang="en-US" dirty="0" smtClean="0"/>
-              <a:t>저질러</a:t>
-            </a:r>
-            <a:r>
-              <a:rPr lang="en-US" altLang="ko-KR" dirty="0" smtClean="0"/>
-              <a:t>, </a:t>
-            </a:r>
-            <a:r>
-              <a:rPr lang="ko-KR" altLang="en-US" dirty="0" smtClean="0"/>
-              <a:t>차지않는 사람들은 어디서 무엇을 할지 알 수 없음</a:t>
-            </a:r>
-            <a:r>
-              <a:rPr lang="en-US" altLang="ko-KR" dirty="0" smtClean="0"/>
-              <a:t>.</a:t>
-            </a:r>
-          </a:p>
-          <a:p>
-            <a:pPr marL="0" indent="0">
-              <a:buNone/>
-            </a:pPr>
-            <a:endParaRPr lang="en-US" altLang="ko-KR" dirty="0" smtClean="0"/>
-          </a:p>
-          <a:p>
-            <a:pPr marL="0" indent="0">
-              <a:buNone/>
-            </a:pPr>
-            <a:r>
-              <a:rPr lang="ko-KR" altLang="en-US" dirty="0" smtClean="0"/>
-              <a:t>모든 사람들이 이 앱을 설치하여</a:t>
-            </a:r>
-            <a:r>
-              <a:rPr lang="en-US" altLang="ko-KR" dirty="0" smtClean="0"/>
-              <a:t>, </a:t>
-            </a:r>
-            <a:r>
-              <a:rPr lang="ko-KR" altLang="en-US" dirty="0" smtClean="0"/>
-              <a:t>평상시 돌아 다닐 때</a:t>
-            </a:r>
-            <a:r>
-              <a:rPr lang="en-US" altLang="ko-KR" dirty="0" smtClean="0"/>
-              <a:t>, </a:t>
-            </a:r>
-            <a:r>
-              <a:rPr lang="ko-KR" altLang="en-US" dirty="0" smtClean="0"/>
-              <a:t>경범죄라도</a:t>
-            </a:r>
-            <a:endParaRPr lang="en-US" altLang="ko-KR" dirty="0" smtClean="0"/>
-          </a:p>
-          <a:p>
-            <a:pPr marL="0" indent="0">
-              <a:buNone/>
-            </a:pPr>
-            <a:r>
-              <a:rPr lang="ko-KR" altLang="en-US" dirty="0" smtClean="0"/>
-              <a:t>범죄를 저지를 사람이 반경 </a:t>
-            </a:r>
-            <a:r>
-              <a:rPr lang="en-US" altLang="ko-KR" dirty="0" smtClean="0"/>
-              <a:t>1km</a:t>
-            </a:r>
-            <a:r>
-              <a:rPr lang="ko-KR" altLang="en-US" dirty="0" smtClean="0"/>
-              <a:t>안에 있다면</a:t>
-            </a:r>
-            <a:r>
-              <a:rPr lang="en-US" altLang="ko-KR" dirty="0" smtClean="0"/>
-              <a:t>, </a:t>
-            </a:r>
-            <a:r>
-              <a:rPr lang="ko-KR" altLang="en-US" dirty="0" smtClean="0"/>
-              <a:t>진동을 이용해 위험성</a:t>
-            </a:r>
-            <a:endParaRPr lang="en-US" altLang="ko-KR" dirty="0" smtClean="0"/>
-          </a:p>
-          <a:p>
-            <a:pPr marL="0" indent="0">
-              <a:buNone/>
-            </a:pPr>
-            <a:r>
-              <a:rPr lang="ko-KR" altLang="en-US" dirty="0" smtClean="0"/>
-              <a:t>표시를 하여</a:t>
-            </a:r>
-            <a:r>
-              <a:rPr lang="en-US" altLang="ko-KR" dirty="0" smtClean="0"/>
-              <a:t>, </a:t>
-            </a:r>
-            <a:r>
-              <a:rPr lang="ko-KR" altLang="en-US" dirty="0" smtClean="0"/>
-              <a:t>사람들로 하여금</a:t>
-            </a:r>
-            <a:r>
-              <a:rPr lang="en-US" altLang="ko-KR" dirty="0" smtClean="0"/>
-              <a:t>, </a:t>
-            </a:r>
-            <a:r>
-              <a:rPr lang="ko-KR" altLang="en-US" dirty="0" smtClean="0"/>
-              <a:t>위험성을 알아야한다고 생각</a:t>
-            </a:r>
-            <a:r>
-              <a:rPr lang="en-US" altLang="ko-KR" dirty="0" smtClean="0"/>
-              <a:t>.  </a:t>
-            </a:r>
-          </a:p>
-          <a:p>
-            <a:pPr marL="0" indent="0">
-              <a:buNone/>
-            </a:pPr>
-            <a:endParaRPr lang="en-US" altLang="ko-KR" dirty="0" smtClean="0"/>
-          </a:p>
-          <a:p>
-            <a:pPr marL="0" indent="0">
-              <a:buNone/>
-            </a:pPr>
-            <a:r>
-              <a:rPr lang="en-US" altLang="ko-KR" dirty="0" smtClean="0"/>
-              <a:t>* </a:t>
-            </a:r>
-            <a:r>
-              <a:rPr lang="ko-KR" altLang="en-US" dirty="0" smtClean="0"/>
-              <a:t>문제점 </a:t>
-            </a:r>
-            <a:r>
-              <a:rPr lang="en-US" altLang="ko-KR" dirty="0" smtClean="0"/>
-              <a:t>: </a:t>
-            </a:r>
-            <a:r>
-              <a:rPr lang="ko-KR" altLang="en-US" dirty="0" smtClean="0"/>
-              <a:t>전자팔찌를 착용하지 않는 경범죄자들은 어떻게 파악할 것인지</a:t>
-            </a:r>
-            <a:r>
-              <a:rPr lang="en-US" altLang="ko-KR" dirty="0" smtClean="0"/>
-              <a:t>?</a:t>
-            </a:r>
-          </a:p>
-          <a:p>
-            <a:pPr marL="0" indent="0">
-              <a:buNone/>
-            </a:pPr>
-            <a:r>
-              <a:rPr lang="en-US" altLang="ko-KR" dirty="0"/>
-              <a:t> </a:t>
-            </a:r>
-            <a:r>
-              <a:rPr lang="en-US" altLang="ko-KR" dirty="0" smtClean="0"/>
-              <a:t>            </a:t>
-            </a:r>
-            <a:r>
-              <a:rPr lang="ko-KR" altLang="en-US" dirty="0" smtClean="0"/>
-              <a:t>귀찮다고 생각하는 사람들을 위해</a:t>
-            </a:r>
-            <a:r>
-              <a:rPr lang="en-US" altLang="ko-KR" dirty="0" smtClean="0"/>
-              <a:t>, </a:t>
-            </a:r>
-            <a:r>
-              <a:rPr lang="ko-KR" altLang="en-US" dirty="0" smtClean="0"/>
-              <a:t>어떻게 간단하고 편리하게 </a:t>
-            </a:r>
-            <a:r>
-              <a:rPr lang="ko-KR" altLang="en-US" dirty="0" err="1" smtClean="0"/>
-              <a:t>만들수있을지</a:t>
-            </a:r>
-            <a:r>
-              <a:rPr lang="en-US" altLang="ko-KR" dirty="0" smtClean="0"/>
-              <a:t>?</a:t>
-            </a:r>
-            <a:r>
-              <a:rPr lang="ko-KR" altLang="en-US" dirty="0" smtClean="0"/>
-              <a:t> </a:t>
-            </a:r>
-            <a:endParaRPr lang="en-US" altLang="ko-KR" dirty="0" smtClean="0"/>
-          </a:p>
-          <a:p>
-            <a:pPr marL="0" indent="0">
-              <a:buNone/>
-            </a:pPr>
-            <a:endParaRPr lang="en-US" altLang="ko-KR" dirty="0"/>
-          </a:p>
-          <a:p>
-            <a:pPr marL="0" indent="0">
-              <a:buNone/>
-            </a:pPr>
-            <a:endParaRPr lang="en-US" altLang="ko-KR" dirty="0"/>
-          </a:p>
-          <a:p>
-            <a:pPr marL="0" indent="0">
-              <a:buNone/>
-            </a:pPr>
-            <a:endParaRPr lang="en-US" altLang="ko-KR" dirty="0" smtClean="0"/>
-          </a:p>
-          <a:p>
-            <a:endParaRPr lang="ko-KR" altLang="en-US" dirty="0"/>
+              <a:rPr lang="ko-KR" altLang="en-US" dirty="0"/>
+              <a:t>아이디어를 어떤 제품으로 만들지에 대해 기술한다</a:t>
+            </a:r>
           </a:p>
         </p:txBody>
       </p:sp>
     </p:spTree>
     <p:extLst>
       <p:ext uri="{BB962C8B-B14F-4D97-AF65-F5344CB8AC3E}">
-        <p14:creationId xmlns:p14="http://schemas.microsoft.com/office/powerpoint/2010/main" val="3830968877"/>
+        <p14:creationId xmlns:p14="http://schemas.microsoft.com/office/powerpoint/2010/main" val="1673457262"/>
       </p:ext>
     </p:extLst>
   </p:cSld>
@@ -9864,7 +9210,7 @@
                 <a:ea typeface="맑은 고딕" charset="-127"/>
                 <a:cs typeface="맑은 고딕" charset="-127"/>
               </a:rPr>
-              <a:t>요구사항 정의</a:t>
+              <a:t>계획 및 일정 수립</a:t>
             </a:r>
           </a:p>
         </p:txBody>
@@ -9872,7 +9218,7 @@
     </p:spTree>
     <p:extLst>
       <p:ext uri="{BB962C8B-B14F-4D97-AF65-F5344CB8AC3E}">
-        <p14:creationId xmlns:p14="http://schemas.microsoft.com/office/powerpoint/2010/main" val="61439574"/>
+        <p14:creationId xmlns:p14="http://schemas.microsoft.com/office/powerpoint/2010/main" val="641642769"/>
       </p:ext>
     </p:extLst>
   </p:cSld>
@@ -9904,7 +9250,7 @@
           <p:cNvPr id="2" name="제목 1">
             <a:extLst>
               <a:ext uri="{FF2B5EF4-FFF2-40B4-BE49-F238E27FC236}">
-                <a16:creationId xmlns:a16="http://schemas.microsoft.com/office/drawing/2014/main" id="{10D8F4DE-BDA8-4E82-B0E1-CB2362CD6602}"/>
+                <a16:creationId xmlns:a16="http://schemas.microsoft.com/office/drawing/2014/main" id="{B3C97AF6-84B1-4A4B-A5CC-C59F1C40885A}"/>
               </a:ext>
             </a:extLst>
           </p:cNvPr>
@@ -9929,7 +9275,7 @@
           <p:cNvPr id="3" name="내용 개체 틀 2">
             <a:extLst>
               <a:ext uri="{FF2B5EF4-FFF2-40B4-BE49-F238E27FC236}">
-                <a16:creationId xmlns:a16="http://schemas.microsoft.com/office/drawing/2014/main" id="{1763B084-A25C-4CA8-B695-973990AE3F62}"/>
+                <a16:creationId xmlns:a16="http://schemas.microsoft.com/office/drawing/2014/main" id="{7F0CB4B4-7523-4ABB-B81F-4F4FF0F88316}"/>
               </a:ext>
             </a:extLst>
           </p:cNvPr>
@@ -9945,14 +9291,22 @@
           <a:bodyPr/>
           <a:lstStyle/>
           <a:p>
-            <a:endParaRPr lang="ko-KR" altLang="en-US"/>
+            <a:r>
+              <a:rPr lang="ko-KR" altLang="en-US" dirty="0"/>
+              <a:t>계획과 일정을 수립한다</a:t>
+            </a:r>
+            <a:r>
+              <a:rPr lang="en-US" altLang="ko-KR" dirty="0"/>
+              <a:t>.</a:t>
+            </a:r>
+            <a:endParaRPr lang="ko-KR" altLang="en-US" dirty="0"/>
           </a:p>
         </p:txBody>
       </p:sp>
     </p:spTree>
     <p:extLst>
       <p:ext uri="{BB962C8B-B14F-4D97-AF65-F5344CB8AC3E}">
-        <p14:creationId xmlns:p14="http://schemas.microsoft.com/office/powerpoint/2010/main" val="1673457262"/>
+        <p14:creationId xmlns:p14="http://schemas.microsoft.com/office/powerpoint/2010/main" val="3260802283"/>
       </p:ext>
     </p:extLst>
   </p:cSld>
@@ -10222,7 +9576,7 @@
                 <a:ea typeface="맑은 고딕" charset="-127"/>
                 <a:cs typeface="맑은 고딕" charset="-127"/>
               </a:rPr>
-              <a:t>계획 및 일정 수립</a:t>
+              <a:t>기능 모듈 설계</a:t>
             </a:r>
           </a:p>
         </p:txBody>
@@ -10230,7 +9584,7 @@
     </p:spTree>
     <p:extLst>
       <p:ext uri="{BB962C8B-B14F-4D97-AF65-F5344CB8AC3E}">
-        <p14:creationId xmlns:p14="http://schemas.microsoft.com/office/powerpoint/2010/main" val="641642769"/>
+        <p14:creationId xmlns:p14="http://schemas.microsoft.com/office/powerpoint/2010/main" val="3636615241"/>
       </p:ext>
     </p:extLst>
   </p:cSld>
